--- a/assets/img/Display layout.pptx
+++ b/assets/img/Display layout.pptx
@@ -5,8 +5,12 @@
     <p:sldMasterId id="2147483648" r:id="rId1"/>
   </p:sldMasterIdLst>
   <p:sldIdLst>
-    <p:sldId id="256" r:id="rId2"/>
-    <p:sldId id="257" r:id="rId3"/>
+    <p:sldId id="258" r:id="rId2"/>
+    <p:sldId id="256" r:id="rId3"/>
+    <p:sldId id="262" r:id="rId4"/>
+    <p:sldId id="261" r:id="rId5"/>
+    <p:sldId id="260" r:id="rId6"/>
+    <p:sldId id="257" r:id="rId7"/>
   </p:sldIdLst>
   <p:sldSz cx="12192000" cy="6858000"/>
   <p:notesSz cx="6858000" cy="9144000"/>
@@ -105,6 +109,11 @@
       </a:defRPr>
     </a:lvl9pPr>
   </p:defaultTextStyle>
+  <p:extLst>
+    <p:ext uri="{EFAFB233-063F-42B5-8137-9DF3F51BA10A}">
+      <p15:sldGuideLst xmlns:p15="http://schemas.microsoft.com/office/powerpoint/2012/main"/>
+    </p:ext>
+  </p:extLst>
 </p:presentation>
 </file>
 
@@ -255,7 +264,7 @@
           <a:p>
             <a:fld id="{ACB9ECCE-EF7C-427D-B9A9-AFFCFB66C9BA}" type="datetimeFigureOut">
               <a:rPr lang="en-US" smtClean="0"/>
-              <a:t>12/2/2023</a:t>
+              <a:t>12/4/2023</a:t>
             </a:fld>
             <a:endParaRPr lang="en-US"/>
           </a:p>
@@ -453,7 +462,7 @@
           <a:p>
             <a:fld id="{ACB9ECCE-EF7C-427D-B9A9-AFFCFB66C9BA}" type="datetimeFigureOut">
               <a:rPr lang="en-US" smtClean="0"/>
-              <a:t>12/2/2023</a:t>
+              <a:t>12/4/2023</a:t>
             </a:fld>
             <a:endParaRPr lang="en-US"/>
           </a:p>
@@ -661,7 +670,7 @@
           <a:p>
             <a:fld id="{ACB9ECCE-EF7C-427D-B9A9-AFFCFB66C9BA}" type="datetimeFigureOut">
               <a:rPr lang="en-US" smtClean="0"/>
-              <a:t>12/2/2023</a:t>
+              <a:t>12/4/2023</a:t>
             </a:fld>
             <a:endParaRPr lang="en-US"/>
           </a:p>
@@ -859,7 +868,7 @@
           <a:p>
             <a:fld id="{ACB9ECCE-EF7C-427D-B9A9-AFFCFB66C9BA}" type="datetimeFigureOut">
               <a:rPr lang="en-US" smtClean="0"/>
-              <a:t>12/2/2023</a:t>
+              <a:t>12/4/2023</a:t>
             </a:fld>
             <a:endParaRPr lang="en-US"/>
           </a:p>
@@ -1134,7 +1143,7 @@
           <a:p>
             <a:fld id="{ACB9ECCE-EF7C-427D-B9A9-AFFCFB66C9BA}" type="datetimeFigureOut">
               <a:rPr lang="en-US" smtClean="0"/>
-              <a:t>12/2/2023</a:t>
+              <a:t>12/4/2023</a:t>
             </a:fld>
             <a:endParaRPr lang="en-US"/>
           </a:p>
@@ -1399,7 +1408,7 @@
           <a:p>
             <a:fld id="{ACB9ECCE-EF7C-427D-B9A9-AFFCFB66C9BA}" type="datetimeFigureOut">
               <a:rPr lang="en-US" smtClean="0"/>
-              <a:t>12/2/2023</a:t>
+              <a:t>12/4/2023</a:t>
             </a:fld>
             <a:endParaRPr lang="en-US"/>
           </a:p>
@@ -1811,7 +1820,7 @@
           <a:p>
             <a:fld id="{ACB9ECCE-EF7C-427D-B9A9-AFFCFB66C9BA}" type="datetimeFigureOut">
               <a:rPr lang="en-US" smtClean="0"/>
-              <a:t>12/2/2023</a:t>
+              <a:t>12/4/2023</a:t>
             </a:fld>
             <a:endParaRPr lang="en-US"/>
           </a:p>
@@ -1952,7 +1961,7 @@
           <a:p>
             <a:fld id="{ACB9ECCE-EF7C-427D-B9A9-AFFCFB66C9BA}" type="datetimeFigureOut">
               <a:rPr lang="en-US" smtClean="0"/>
-              <a:t>12/2/2023</a:t>
+              <a:t>12/4/2023</a:t>
             </a:fld>
             <a:endParaRPr lang="en-US"/>
           </a:p>
@@ -2065,7 +2074,7 @@
           <a:p>
             <a:fld id="{ACB9ECCE-EF7C-427D-B9A9-AFFCFB66C9BA}" type="datetimeFigureOut">
               <a:rPr lang="en-US" smtClean="0"/>
-              <a:t>12/2/2023</a:t>
+              <a:t>12/4/2023</a:t>
             </a:fld>
             <a:endParaRPr lang="en-US"/>
           </a:p>
@@ -2376,7 +2385,7 @@
           <a:p>
             <a:fld id="{ACB9ECCE-EF7C-427D-B9A9-AFFCFB66C9BA}" type="datetimeFigureOut">
               <a:rPr lang="en-US" smtClean="0"/>
-              <a:t>12/2/2023</a:t>
+              <a:t>12/4/2023</a:t>
             </a:fld>
             <a:endParaRPr lang="en-US"/>
           </a:p>
@@ -2664,7 +2673,7 @@
           <a:p>
             <a:fld id="{ACB9ECCE-EF7C-427D-B9A9-AFFCFB66C9BA}" type="datetimeFigureOut">
               <a:rPr lang="en-US" smtClean="0"/>
-              <a:t>12/2/2023</a:t>
+              <a:t>12/4/2023</a:t>
             </a:fld>
             <a:endParaRPr lang="en-US"/>
           </a:p>
@@ -2905,7 +2914,7 @@
           <a:p>
             <a:fld id="{ACB9ECCE-EF7C-427D-B9A9-AFFCFB66C9BA}" type="datetimeFigureOut">
               <a:rPr lang="en-US" smtClean="0"/>
-              <a:t>12/2/2023</a:t>
+              <a:t>12/4/2023</a:t>
             </a:fld>
             <a:endParaRPr lang="en-US"/>
           </a:p>
@@ -3306,7 +3315,7 @@
 </file>
 
 <file path=ppt/slides/slide1.xml><?xml version="1.0" encoding="utf-8"?>
-<p:sld xmlns:a="http://schemas.openxmlformats.org/drawingml/2006/main" xmlns:r="http://schemas.openxmlformats.org/officeDocument/2006/relationships" xmlns:p="http://schemas.openxmlformats.org/presentationml/2006/main">
+<p:sld xmlns:a="http://schemas.openxmlformats.org/drawingml/2006/main" xmlns:r="http://schemas.openxmlformats.org/officeDocument/2006/relationships" xmlns:p="http://schemas.openxmlformats.org/presentationml/2006/main" show="0">
   <p:cSld>
     <p:spTree>
       <p:nvGrpSpPr>
@@ -3802,7 +3811,7 @@
         </p:nvSpPr>
         <p:spPr>
           <a:xfrm>
-            <a:off x="3217245" y="494517"/>
+            <a:off x="3454400" y="520076"/>
             <a:ext cx="1082975" cy="301285"/>
           </a:xfrm>
           <a:prstGeom prst="roundRect">
@@ -3915,161 +3924,12 @@
           </a:p>
         </p:txBody>
       </p:sp>
-      <p:sp>
-        <p:nvSpPr>
-          <p:cNvPr id="18" name="TextBox 17">
-            <a:extLst>
-              <a:ext uri="{FF2B5EF4-FFF2-40B4-BE49-F238E27FC236}">
-                <a16:creationId xmlns:a16="http://schemas.microsoft.com/office/drawing/2014/main" id="{3D69989D-6D14-80CF-7D78-DE558312CDEB}"/>
-              </a:ext>
-            </a:extLst>
-          </p:cNvPr>
-          <p:cNvSpPr txBox="1"/>
-          <p:nvPr/>
-        </p:nvSpPr>
-        <p:spPr>
-          <a:xfrm>
-            <a:off x="9113520" y="3061199"/>
-            <a:ext cx="2529840" cy="3693319"/>
-          </a:xfrm>
-          <a:prstGeom prst="rect">
-            <a:avLst/>
-          </a:prstGeom>
-        </p:spPr>
-        <p:style>
-          <a:lnRef idx="2">
-            <a:schemeClr val="accent2"/>
-          </a:lnRef>
-          <a:fillRef idx="1">
-            <a:schemeClr val="lt1"/>
-          </a:fillRef>
-          <a:effectRef idx="0">
-            <a:schemeClr val="accent2"/>
-          </a:effectRef>
-          <a:fontRef idx="minor">
-            <a:schemeClr val="dk1"/>
-          </a:fontRef>
-        </p:style>
-        <p:txBody>
-          <a:bodyPr wrap="square" rtlCol="0">
-            <a:spAutoFit/>
-          </a:bodyPr>
-          <a:lstStyle/>
-          <a:p>
-            <a:r>
-              <a:rPr lang="en-US" b="1" dirty="0"/>
-              <a:t>Previous 10 Searches:</a:t>
-            </a:r>
-            <a:br>
-              <a:rPr lang="en-US" b="1" dirty="0"/>
-            </a:br>
-            <a:endParaRPr lang="en-US" b="1" dirty="0"/>
-          </a:p>
-          <a:p>
-            <a:pPr marL="285750" indent="-285750">
-              <a:buFont typeface="Arial" panose="020B0604020202020204" pitchFamily="34" charset="0"/>
-              <a:buChar char="•"/>
-            </a:pPr>
-            <a:r>
-              <a:rPr lang="en-US" u="sng" dirty="0"/>
-              <a:t>Recipe 1</a:t>
-            </a:r>
-          </a:p>
-          <a:p>
-            <a:pPr marL="285750" indent="-285750">
-              <a:buFont typeface="Arial" panose="020B0604020202020204" pitchFamily="34" charset="0"/>
-              <a:buChar char="•"/>
-            </a:pPr>
-            <a:r>
-              <a:rPr lang="en-US" u="sng" dirty="0"/>
-              <a:t>Recipe 2</a:t>
-            </a:r>
-          </a:p>
-          <a:p>
-            <a:pPr marL="285750" indent="-285750">
-              <a:buFont typeface="Arial" panose="020B0604020202020204" pitchFamily="34" charset="0"/>
-              <a:buChar char="•"/>
-            </a:pPr>
-            <a:r>
-              <a:rPr lang="en-US" u="sng" dirty="0"/>
-              <a:t>Recipe 1</a:t>
-            </a:r>
-          </a:p>
-          <a:p>
-            <a:pPr marL="285750" indent="-285750">
-              <a:buFont typeface="Arial" panose="020B0604020202020204" pitchFamily="34" charset="0"/>
-              <a:buChar char="•"/>
-            </a:pPr>
-            <a:r>
-              <a:rPr lang="en-US" u="sng" dirty="0"/>
-              <a:t>Recipe 2</a:t>
-            </a:r>
-          </a:p>
-          <a:p>
-            <a:pPr marL="285750" indent="-285750">
-              <a:buFont typeface="Arial" panose="020B0604020202020204" pitchFamily="34" charset="0"/>
-              <a:buChar char="•"/>
-            </a:pPr>
-            <a:r>
-              <a:rPr lang="en-US" u="sng" dirty="0"/>
-              <a:t>Recipe 1</a:t>
-            </a:r>
-          </a:p>
-          <a:p>
-            <a:pPr marL="285750" indent="-285750">
-              <a:buFont typeface="Arial" panose="020B0604020202020204" pitchFamily="34" charset="0"/>
-              <a:buChar char="•"/>
-            </a:pPr>
-            <a:r>
-              <a:rPr lang="en-US" u="sng" dirty="0"/>
-              <a:t>Recipe 2</a:t>
-            </a:r>
-          </a:p>
-          <a:p>
-            <a:pPr marL="285750" indent="-285750">
-              <a:buFont typeface="Arial" panose="020B0604020202020204" pitchFamily="34" charset="0"/>
-              <a:buChar char="•"/>
-            </a:pPr>
-            <a:r>
-              <a:rPr lang="en-US" u="sng" dirty="0"/>
-              <a:t>Recipe 1</a:t>
-            </a:r>
-          </a:p>
-          <a:p>
-            <a:pPr marL="285750" indent="-285750">
-              <a:buFont typeface="Arial" panose="020B0604020202020204" pitchFamily="34" charset="0"/>
-              <a:buChar char="•"/>
-            </a:pPr>
-            <a:r>
-              <a:rPr lang="en-US" u="sng" dirty="0"/>
-              <a:t>Recipe 2</a:t>
-            </a:r>
-          </a:p>
-          <a:p>
-            <a:pPr marL="285750" indent="-285750">
-              <a:buFont typeface="Arial" panose="020B0604020202020204" pitchFamily="34" charset="0"/>
-              <a:buChar char="•"/>
-            </a:pPr>
-            <a:endParaRPr lang="en-US" u="sng" dirty="0"/>
-          </a:p>
-          <a:p>
-            <a:endParaRPr lang="en-US" u="sng" dirty="0"/>
-          </a:p>
-          <a:p>
-            <a:pPr marL="285750" indent="-285750">
-              <a:buFont typeface="Arial" panose="020B0604020202020204" pitchFamily="34" charset="0"/>
-              <a:buChar char="•"/>
-            </a:pPr>
-            <a:endParaRPr lang="en-US" dirty="0"/>
-          </a:p>
-        </p:txBody>
-      </p:sp>
       <p:grpSp>
         <p:nvGrpSpPr>
-          <p:cNvPr id="21" name="Group 20">
-            <a:extLst>
-              <a:ext uri="{FF2B5EF4-FFF2-40B4-BE49-F238E27FC236}">
-                <a16:creationId xmlns:a16="http://schemas.microsoft.com/office/drawing/2014/main" id="{538D46BC-B7D8-5880-E496-C12F025A2435}"/>
+          <p:cNvPr id="22" name="Group 21">
+            <a:extLst>
+              <a:ext uri="{FF2B5EF4-FFF2-40B4-BE49-F238E27FC236}">
+                <a16:creationId xmlns:a16="http://schemas.microsoft.com/office/drawing/2014/main" id="{68F7E309-A2FD-B211-8ACF-58BB3CFC3ADE}"/>
               </a:ext>
             </a:extLst>
           </p:cNvPr>
@@ -4078,61 +3938,18 @@
         </p:nvGrpSpPr>
         <p:grpSpPr>
           <a:xfrm>
-            <a:off x="690880" y="3061199"/>
-            <a:ext cx="8229600" cy="3750321"/>
-            <a:chOff x="690880" y="3505199"/>
-            <a:chExt cx="8229600" cy="3750321"/>
+            <a:off x="682324" y="3061199"/>
+            <a:ext cx="10760376" cy="1714001"/>
+            <a:chOff x="682324" y="3061199"/>
+            <a:chExt cx="8095916" cy="944277"/>
           </a:xfrm>
         </p:grpSpPr>
-        <p:pic>
-          <p:nvPicPr>
-            <p:cNvPr id="8" name="Picture 7" descr="A notebook with vegetables and spices on it&#10;&#10;Description automatically generated">
+        <p:sp>
+          <p:nvSpPr>
+            <p:cNvPr id="2" name="TextBox 1">
               <a:extLst>
                 <a:ext uri="{FF2B5EF4-FFF2-40B4-BE49-F238E27FC236}">
-                  <a16:creationId xmlns:a16="http://schemas.microsoft.com/office/drawing/2014/main" id="{4E67F1DC-EDE5-9158-8426-8FAF50C0C60C}"/>
-                </a:ext>
-              </a:extLst>
-            </p:cNvPr>
-            <p:cNvPicPr>
-              <a:picLocks noChangeAspect="1"/>
-            </p:cNvPicPr>
-            <p:nvPr/>
-          </p:nvPicPr>
-          <p:blipFill rotWithShape="1">
-            <a:blip r:embed="rId3">
-              <a:duotone>
-                <a:schemeClr val="accent2">
-                  <a:shade val="45000"/>
-                  <a:satMod val="135000"/>
-                </a:schemeClr>
-                <a:prstClr val="white"/>
-              </a:duotone>
-              <a:alphaModFix amt="50000"/>
-              <a:extLst>
-                <a:ext uri="{28A0092B-C50C-407E-A947-70E740481C1C}">
-                  <a14:useLocalDpi xmlns:a14="http://schemas.microsoft.com/office/drawing/2010/main" val="0"/>
-                </a:ext>
-              </a:extLst>
-            </a:blip>
-            <a:srcRect l="15425" t="13876" r="14894" b="14673"/>
-            <a:stretch/>
-          </p:blipFill>
-          <p:spPr>
-            <a:xfrm>
-              <a:off x="690880" y="3505199"/>
-              <a:ext cx="8229600" cy="3750321"/>
-            </a:xfrm>
-            <a:prstGeom prst="rect">
-              <a:avLst/>
-            </a:prstGeom>
-          </p:spPr>
-        </p:pic>
-        <p:sp>
-          <p:nvSpPr>
-            <p:cNvPr id="19" name="TextBox 18">
-              <a:extLst>
-                <a:ext uri="{FF2B5EF4-FFF2-40B4-BE49-F238E27FC236}">
-                  <a16:creationId xmlns:a16="http://schemas.microsoft.com/office/drawing/2014/main" id="{645A8BD2-0541-D605-16CF-CC3049A576A2}"/>
+                  <a16:creationId xmlns:a16="http://schemas.microsoft.com/office/drawing/2014/main" id="{79F087FF-9824-F571-FE88-941B3CA61B4E}"/>
                 </a:ext>
               </a:extLst>
             </p:cNvPr>
@@ -4141,8 +3958,56 @@
           </p:nvSpPr>
           <p:spPr>
             <a:xfrm>
-              <a:off x="1279692" y="3839200"/>
-              <a:ext cx="7102308" cy="3416320"/>
+              <a:off x="682324" y="3061199"/>
+              <a:ext cx="8095916" cy="203472"/>
+            </a:xfrm>
+            <a:prstGeom prst="rect">
+              <a:avLst/>
+            </a:prstGeom>
+          </p:spPr>
+          <p:style>
+            <a:lnRef idx="2">
+              <a:schemeClr val="accent2"/>
+            </a:lnRef>
+            <a:fillRef idx="1">
+              <a:schemeClr val="lt1"/>
+            </a:fillRef>
+            <a:effectRef idx="0">
+              <a:schemeClr val="accent2"/>
+            </a:effectRef>
+            <a:fontRef idx="minor">
+              <a:schemeClr val="dk1"/>
+            </a:fontRef>
+          </p:style>
+          <p:txBody>
+            <a:bodyPr wrap="square" numCol="3" rtlCol="0">
+              <a:spAutoFit/>
+            </a:bodyPr>
+            <a:lstStyle/>
+            <a:p>
+              <a:r>
+                <a:rPr lang="en-US" b="1" dirty="0"/>
+                <a:t>Results 10 Searches:</a:t>
+              </a:r>
+            </a:p>
+          </p:txBody>
+        </p:sp>
+        <p:sp>
+          <p:nvSpPr>
+            <p:cNvPr id="4" name="TextBox 3">
+              <a:extLst>
+                <a:ext uri="{FF2B5EF4-FFF2-40B4-BE49-F238E27FC236}">
+                  <a16:creationId xmlns:a16="http://schemas.microsoft.com/office/drawing/2014/main" id="{D8F36CC4-D0BF-8AB8-9470-0303554BEE43}"/>
+                </a:ext>
+              </a:extLst>
+            </p:cNvPr>
+            <p:cNvSpPr txBox="1"/>
+            <p:nvPr/>
+          </p:nvSpPr>
+          <p:spPr>
+            <a:xfrm>
+              <a:off x="2210602" y="3359145"/>
+              <a:ext cx="1535898" cy="646331"/>
             </a:xfrm>
             <a:prstGeom prst="rect">
               <a:avLst/>
@@ -4150,21 +4015,18 @@
             <a:noFill/>
           </p:spPr>
           <p:txBody>
-            <a:bodyPr wrap="square" rtlCol="0">
+            <a:bodyPr wrap="square">
               <a:spAutoFit/>
             </a:bodyPr>
             <a:lstStyle/>
             <a:p>
-              <a:pPr algn="ctr"/>
+              <a:pPr marL="285750" indent="-285750">
+                <a:buFont typeface="Arial" panose="020B0604020202020204" pitchFamily="34" charset="0"/>
+                <a:buChar char="•"/>
+              </a:pPr>
               <a:r>
-                <a:rPr lang="en-US" b="1" dirty="0"/>
-                <a:t>Name of Recipe</a:t>
-              </a:r>
-            </a:p>
-            <a:p>
-              <a:r>
-                <a:rPr lang="en-US" b="1" i="1" u="sng" dirty="0"/>
-                <a:t>Ingredients:</a:t>
+                <a:rPr lang="en-US" u="sng" dirty="0"/>
+                <a:t>Recipe 1</a:t>
               </a:r>
             </a:p>
             <a:p>
@@ -4173,34 +4035,47 @@
                 <a:buChar char="•"/>
               </a:pPr>
               <a:r>
-                <a:rPr lang="en-US" b="0" i="0" dirty="0">
-                  <a:solidFill>
-                    <a:srgbClr val="7B8898"/>
-                  </a:solidFill>
-                  <a:effectLst/>
-                  <a:latin typeface="Mercury SSm A"/>
-                </a:rPr>
-                <a:t>Lorem ipsum dolor sit </a:t>
+                <a:rPr lang="en-US" u="sng" dirty="0"/>
+                <a:t>Recipe 2</a:t>
               </a:r>
+            </a:p>
+          </p:txBody>
+        </p:sp>
+        <p:sp>
+          <p:nvSpPr>
+            <p:cNvPr id="15" name="TextBox 14">
+              <a:extLst>
+                <a:ext uri="{FF2B5EF4-FFF2-40B4-BE49-F238E27FC236}">
+                  <a16:creationId xmlns:a16="http://schemas.microsoft.com/office/drawing/2014/main" id="{5E2046CE-F63B-1BD4-EC98-7481E9D192AC}"/>
+                </a:ext>
+              </a:extLst>
+            </p:cNvPr>
+            <p:cNvSpPr txBox="1"/>
+            <p:nvPr/>
+          </p:nvSpPr>
+          <p:spPr>
+            <a:xfrm>
+              <a:off x="3738880" y="3353112"/>
+              <a:ext cx="1535898" cy="646331"/>
+            </a:xfrm>
+            <a:prstGeom prst="rect">
+              <a:avLst/>
+            </a:prstGeom>
+            <a:noFill/>
+          </p:spPr>
+          <p:txBody>
+            <a:bodyPr wrap="square">
+              <a:spAutoFit/>
+            </a:bodyPr>
+            <a:lstStyle/>
+            <a:p>
+              <a:pPr marL="285750" indent="-285750">
+                <a:buFont typeface="Arial" panose="020B0604020202020204" pitchFamily="34" charset="0"/>
+                <a:buChar char="•"/>
+              </a:pPr>
               <a:r>
-                <a:rPr lang="en-US" b="0" i="0" dirty="0" err="1">
-                  <a:solidFill>
-                    <a:srgbClr val="7B8898"/>
-                  </a:solidFill>
-                  <a:effectLst/>
-                  <a:latin typeface="Mercury SSm A"/>
-                </a:rPr>
-                <a:t>amet</a:t>
-              </a:r>
-              <a:r>
-                <a:rPr lang="en-US" b="0" i="0" dirty="0">
-                  <a:solidFill>
-                    <a:srgbClr val="7B8898"/>
-                  </a:solidFill>
-                  <a:effectLst/>
-                  <a:latin typeface="Mercury SSm A"/>
-                </a:rPr>
-                <a:t>,</a:t>
+                <a:rPr lang="en-US" u="sng" dirty="0"/>
+                <a:t>Recipe 1</a:t>
               </a:r>
             </a:p>
             <a:p>
@@ -4209,136 +4084,47 @@
                 <a:buChar char="•"/>
               </a:pPr>
               <a:r>
-                <a:rPr lang="en-US" b="0" i="0" dirty="0" err="1">
-                  <a:solidFill>
-                    <a:srgbClr val="7B8898"/>
-                  </a:solidFill>
-                  <a:effectLst/>
-                  <a:latin typeface="Mercury SSm A"/>
-                </a:rPr>
-                <a:t>consectetur</a:t>
+                <a:rPr lang="en-US" u="sng" dirty="0"/>
+                <a:t>Recipe 2</a:t>
               </a:r>
-              <a:r>
-                <a:rPr lang="en-US" b="0" i="0" dirty="0">
-                  <a:solidFill>
-                    <a:srgbClr val="7B8898"/>
-                  </a:solidFill>
-                  <a:effectLst/>
-                  <a:latin typeface="Mercury SSm A"/>
-                </a:rPr>
-                <a:t> </a:t>
-              </a:r>
-              <a:r>
-                <a:rPr lang="en-US" b="0" i="0" dirty="0" err="1">
-                  <a:solidFill>
-                    <a:srgbClr val="7B8898"/>
-                  </a:solidFill>
-                  <a:effectLst/>
-                  <a:latin typeface="Mercury SSm A"/>
-                </a:rPr>
-                <a:t>adipiscing</a:t>
-              </a:r>
-              <a:r>
-                <a:rPr lang="en-US" b="0" i="0" dirty="0">
-                  <a:solidFill>
-                    <a:srgbClr val="7B8898"/>
-                  </a:solidFill>
-                  <a:effectLst/>
-                  <a:latin typeface="Mercury SSm A"/>
-                </a:rPr>
-                <a:t> </a:t>
-              </a:r>
-              <a:r>
-                <a:rPr lang="en-US" b="0" i="0" dirty="0" err="1">
-                  <a:solidFill>
-                    <a:srgbClr val="7B8898"/>
-                  </a:solidFill>
-                  <a:effectLst/>
-                  <a:latin typeface="Mercury SSm A"/>
-                </a:rPr>
-                <a:t>elit</a:t>
-              </a:r>
-              <a:endParaRPr lang="en-US" dirty="0">
-                <a:solidFill>
-                  <a:srgbClr val="7B8898"/>
-                </a:solidFill>
-                <a:latin typeface="Mercury SSm A"/>
-              </a:endParaRPr>
             </a:p>
+          </p:txBody>
+        </p:sp>
+        <p:sp>
+          <p:nvSpPr>
+            <p:cNvPr id="3" name="TextBox 2">
+              <a:extLst>
+                <a:ext uri="{FF2B5EF4-FFF2-40B4-BE49-F238E27FC236}">
+                  <a16:creationId xmlns:a16="http://schemas.microsoft.com/office/drawing/2014/main" id="{892DDB67-49A1-4C69-0A97-BDAE8300FF78}"/>
+                </a:ext>
+              </a:extLst>
+            </p:cNvPr>
+            <p:cNvSpPr txBox="1"/>
+            <p:nvPr/>
+          </p:nvSpPr>
+          <p:spPr>
+            <a:xfrm>
+              <a:off x="5328051" y="3353112"/>
+              <a:ext cx="1535898" cy="646331"/>
+            </a:xfrm>
+            <a:prstGeom prst="rect">
+              <a:avLst/>
+            </a:prstGeom>
+            <a:noFill/>
+          </p:spPr>
+          <p:txBody>
+            <a:bodyPr wrap="square">
+              <a:spAutoFit/>
+            </a:bodyPr>
+            <a:lstStyle/>
             <a:p>
               <a:pPr marL="285750" indent="-285750">
                 <a:buFont typeface="Arial" panose="020B0604020202020204" pitchFamily="34" charset="0"/>
                 <a:buChar char="•"/>
               </a:pPr>
               <a:r>
-                <a:rPr lang="en-US" b="0" i="0" dirty="0">
-                  <a:solidFill>
-                    <a:srgbClr val="7B8898"/>
-                  </a:solidFill>
-                  <a:effectLst/>
-                  <a:latin typeface="Mercury SSm A"/>
-                </a:rPr>
-                <a:t>ed do </a:t>
-              </a:r>
-              <a:r>
-                <a:rPr lang="en-US" b="0" i="0" dirty="0" err="1">
-                  <a:solidFill>
-                    <a:srgbClr val="7B8898"/>
-                  </a:solidFill>
-                  <a:effectLst/>
-                  <a:latin typeface="Mercury SSm A"/>
-                </a:rPr>
-                <a:t>eiusmod</a:t>
-              </a:r>
-              <a:r>
-                <a:rPr lang="en-US" b="0" i="0" dirty="0">
-                  <a:solidFill>
-                    <a:srgbClr val="7B8898"/>
-                  </a:solidFill>
-                  <a:effectLst/>
-                  <a:latin typeface="Mercury SSm A"/>
-                </a:rPr>
-                <a:t> </a:t>
-              </a:r>
-              <a:r>
-                <a:rPr lang="en-US" b="0" i="0" dirty="0" err="1">
-                  <a:solidFill>
-                    <a:srgbClr val="7B8898"/>
-                  </a:solidFill>
-                  <a:effectLst/>
-                  <a:latin typeface="Mercury SSm A"/>
-                </a:rPr>
-                <a:t>tempor</a:t>
-              </a:r>
-              <a:r>
-                <a:rPr lang="en-US" b="0" i="0" dirty="0">
-                  <a:solidFill>
-                    <a:srgbClr val="7B8898"/>
-                  </a:solidFill>
-                  <a:effectLst/>
-                  <a:latin typeface="Mercury SSm A"/>
-                </a:rPr>
-                <a:t> </a:t>
-              </a:r>
-              <a:r>
-                <a:rPr lang="en-US" b="0" i="0" dirty="0" err="1">
-                  <a:solidFill>
-                    <a:srgbClr val="7B8898"/>
-                  </a:solidFill>
-                  <a:effectLst/>
-                  <a:latin typeface="Mercury SSm A"/>
-                </a:rPr>
-                <a:t>incididunt</a:t>
-              </a:r>
-              <a:r>
-                <a:rPr lang="en-US" b="0" i="0" dirty="0">
-                  <a:solidFill>
-                    <a:srgbClr val="7B8898"/>
-                  </a:solidFill>
-                  <a:effectLst/>
-                  <a:latin typeface="Mercury SSm A"/>
-                </a:rPr>
-                <a:t> </a:t>
+                <a:rPr lang="en-US" u="sng" dirty="0"/>
+                <a:t>Recipe 1</a:t>
               </a:r>
             </a:p>
             <a:p>
@@ -4347,496 +4133,207 @@
                 <a:buChar char="•"/>
               </a:pPr>
               <a:r>
-                <a:rPr lang="en-US" b="0" i="0" dirty="0" err="1">
-                  <a:solidFill>
-                    <a:srgbClr val="7B8898"/>
-                  </a:solidFill>
-                  <a:effectLst/>
-                  <a:latin typeface="Mercury SSm A"/>
-                </a:rPr>
-                <a:t>ut</a:t>
-              </a:r>
-              <a:r>
-                <a:rPr lang="en-US" b="0" i="0" dirty="0">
-                  <a:solidFill>
-                    <a:srgbClr val="7B8898"/>
-                  </a:solidFill>
-                  <a:effectLst/>
-                  <a:latin typeface="Mercury SSm A"/>
-                </a:rPr>
-                <a:t> labore et dolore magna </a:t>
-              </a:r>
-              <a:r>
-                <a:rPr lang="en-US" b="0" i="0" dirty="0" err="1">
-                  <a:solidFill>
-                    <a:srgbClr val="7B8898"/>
-                  </a:solidFill>
-                  <a:effectLst/>
-                  <a:latin typeface="Mercury SSm A"/>
-                </a:rPr>
-                <a:t>aliqua</a:t>
-              </a:r>
-              <a:endParaRPr lang="en-US" b="0" i="0" dirty="0">
-                <a:solidFill>
-                  <a:srgbClr val="7B8898"/>
-                </a:solidFill>
-                <a:effectLst/>
-                <a:latin typeface="Mercury SSm A"/>
-              </a:endParaRPr>
-            </a:p>
-            <a:p>
-              <a:r>
-                <a:rPr lang="en-US" b="1" i="1" u="sng" dirty="0"/>
-                <a:t>Step by Step:</a:t>
+                <a:rPr lang="en-US" u="sng" dirty="0"/>
+                <a:t>Recipe 2</a:t>
               </a:r>
             </a:p>
+          </p:txBody>
+        </p:sp>
+        <p:sp>
+          <p:nvSpPr>
+            <p:cNvPr id="7" name="TextBox 6">
+              <a:extLst>
+                <a:ext uri="{FF2B5EF4-FFF2-40B4-BE49-F238E27FC236}">
+                  <a16:creationId xmlns:a16="http://schemas.microsoft.com/office/drawing/2014/main" id="{36B1FDBC-0FEE-B96E-718A-40B35E166A66}"/>
+                </a:ext>
+              </a:extLst>
+            </p:cNvPr>
+            <p:cNvSpPr txBox="1"/>
+            <p:nvPr/>
+          </p:nvSpPr>
+          <p:spPr>
+            <a:xfrm>
+              <a:off x="6969693" y="3353112"/>
+              <a:ext cx="1535898" cy="646331"/>
+            </a:xfrm>
+            <a:prstGeom prst="rect">
+              <a:avLst/>
+            </a:prstGeom>
+            <a:noFill/>
+          </p:spPr>
+          <p:txBody>
+            <a:bodyPr wrap="square">
+              <a:spAutoFit/>
+            </a:bodyPr>
+            <a:lstStyle/>
             <a:p>
+              <a:pPr marL="285750" indent="-285750">
+                <a:buFont typeface="Arial" panose="020B0604020202020204" pitchFamily="34" charset="0"/>
+                <a:buChar char="•"/>
+              </a:pPr>
               <a:r>
-                <a:rPr lang="en-US" b="0" i="0" dirty="0">
-                  <a:solidFill>
-                    <a:srgbClr val="7B8898"/>
-                  </a:solidFill>
-                  <a:effectLst/>
-                  <a:latin typeface="Mercury SSm A"/>
-                </a:rPr>
-                <a:t>Lorem ipsum dolor sit </a:t>
+                <a:rPr lang="en-US" u="sng" dirty="0"/>
+                <a:t>Recipe 1</a:t>
               </a:r>
-              <a:r>
-                <a:rPr lang="en-US" b="0" i="0" dirty="0" err="1">
-                  <a:solidFill>
-                    <a:srgbClr val="7B8898"/>
-                  </a:solidFill>
-                  <a:effectLst/>
-                  <a:latin typeface="Mercury SSm A"/>
-                </a:rPr>
-                <a:t>amet</a:t>
-              </a:r>
-              <a:r>
-                <a:rPr lang="en-US" b="0" i="0" dirty="0">
-                  <a:solidFill>
-                    <a:srgbClr val="7B8898"/>
-                  </a:solidFill>
-                  <a:effectLst/>
-                  <a:latin typeface="Mercury SSm A"/>
-                </a:rPr>
-                <a:t>, </a:t>
-              </a:r>
-              <a:r>
-                <a:rPr lang="en-US" b="0" i="0" dirty="0" err="1">
-                  <a:solidFill>
-                    <a:srgbClr val="7B8898"/>
-                  </a:solidFill>
-                  <a:effectLst/>
-                  <a:latin typeface="Mercury SSm A"/>
-                </a:rPr>
-                <a:t>consectetur</a:t>
-              </a:r>
-              <a:r>
-                <a:rPr lang="en-US" b="0" i="0" dirty="0">
-                  <a:solidFill>
-                    <a:srgbClr val="7B8898"/>
-                  </a:solidFill>
-                  <a:effectLst/>
-                  <a:latin typeface="Mercury SSm A"/>
-                </a:rPr>
-                <a:t> </a:t>
-              </a:r>
-              <a:r>
-                <a:rPr lang="en-US" b="0" i="0" dirty="0" err="1">
-                  <a:solidFill>
-                    <a:srgbClr val="7B8898"/>
-                  </a:solidFill>
-                  <a:effectLst/>
-                  <a:latin typeface="Mercury SSm A"/>
-                </a:rPr>
-                <a:t>adipiscing</a:t>
-              </a:r>
-              <a:r>
-                <a:rPr lang="en-US" b="0" i="0" dirty="0">
-                  <a:solidFill>
-                    <a:srgbClr val="7B8898"/>
-                  </a:solidFill>
-                  <a:effectLst/>
-                  <a:latin typeface="Mercury SSm A"/>
-                </a:rPr>
-                <a:t> </a:t>
-              </a:r>
-              <a:r>
-                <a:rPr lang="en-US" b="0" i="0" dirty="0" err="1">
-                  <a:solidFill>
-                    <a:srgbClr val="7B8898"/>
-                  </a:solidFill>
-                  <a:effectLst/>
-                  <a:latin typeface="Mercury SSm A"/>
-                </a:rPr>
-                <a:t>elit</a:t>
-              </a:r>
-              <a:r>
-                <a:rPr lang="en-US" b="0" i="0" dirty="0">
-                  <a:solidFill>
-                    <a:srgbClr val="7B8898"/>
-                  </a:solidFill>
-                  <a:effectLst/>
-                  <a:latin typeface="Mercury SSm A"/>
-                </a:rPr>
-                <a:t>, sed do </a:t>
-              </a:r>
-              <a:r>
-                <a:rPr lang="en-US" b="0" i="0" dirty="0" err="1">
-                  <a:solidFill>
-                    <a:srgbClr val="7B8898"/>
-                  </a:solidFill>
-                  <a:effectLst/>
-                  <a:latin typeface="Mercury SSm A"/>
-                </a:rPr>
-                <a:t>eiusmod</a:t>
-              </a:r>
-              <a:r>
-                <a:rPr lang="en-US" b="0" i="0" dirty="0">
-                  <a:solidFill>
-                    <a:srgbClr val="7B8898"/>
-                  </a:solidFill>
-                  <a:effectLst/>
-                  <a:latin typeface="Mercury SSm A"/>
-                </a:rPr>
-                <a:t> </a:t>
-              </a:r>
-              <a:r>
-                <a:rPr lang="en-US" b="0" i="0" dirty="0" err="1">
-                  <a:solidFill>
-                    <a:srgbClr val="7B8898"/>
-                  </a:solidFill>
-                  <a:effectLst/>
-                  <a:latin typeface="Mercury SSm A"/>
-                </a:rPr>
-                <a:t>tempor</a:t>
-              </a:r>
-              <a:r>
-                <a:rPr lang="en-US" b="0" i="0" dirty="0">
-                  <a:solidFill>
-                    <a:srgbClr val="7B8898"/>
-                  </a:solidFill>
-                  <a:effectLst/>
-                  <a:latin typeface="Mercury SSm A"/>
-                </a:rPr>
-                <a:t> </a:t>
-              </a:r>
-              <a:r>
-                <a:rPr lang="en-US" b="0" i="0" dirty="0" err="1">
-                  <a:solidFill>
-                    <a:srgbClr val="7B8898"/>
-                  </a:solidFill>
-                  <a:effectLst/>
-                  <a:latin typeface="Mercury SSm A"/>
-                </a:rPr>
-                <a:t>incididunt</a:t>
-              </a:r>
-              <a:r>
-                <a:rPr lang="en-US" b="0" i="0" dirty="0">
-                  <a:solidFill>
-                    <a:srgbClr val="7B8898"/>
-                  </a:solidFill>
-                  <a:effectLst/>
-                  <a:latin typeface="Mercury SSm A"/>
-                </a:rPr>
-                <a:t> </a:t>
-              </a:r>
-              <a:r>
-                <a:rPr lang="en-US" b="0" i="0" dirty="0" err="1">
-                  <a:solidFill>
-                    <a:srgbClr val="7B8898"/>
-                  </a:solidFill>
-                  <a:effectLst/>
-                  <a:latin typeface="Mercury SSm A"/>
-                </a:rPr>
-                <a:t>ut</a:t>
-              </a:r>
-              <a:r>
-                <a:rPr lang="en-US" b="0" i="0" dirty="0">
-                  <a:solidFill>
-                    <a:srgbClr val="7B8898"/>
-                  </a:solidFill>
-                  <a:effectLst/>
-                  <a:latin typeface="Mercury SSm A"/>
-                </a:rPr>
-                <a:t> labore et dolore magna </a:t>
-              </a:r>
-              <a:r>
-                <a:rPr lang="en-US" b="0" i="0" dirty="0" err="1">
-                  <a:solidFill>
-                    <a:srgbClr val="7B8898"/>
-                  </a:solidFill>
-                  <a:effectLst/>
-                  <a:latin typeface="Mercury SSm A"/>
-                </a:rPr>
-                <a:t>aliqua</a:t>
-              </a:r>
-              <a:r>
-                <a:rPr lang="en-US" b="0" i="0" dirty="0">
-                  <a:solidFill>
-                    <a:srgbClr val="7B8898"/>
-                  </a:solidFill>
-                  <a:effectLst/>
-                  <a:latin typeface="Mercury SSm A"/>
-                </a:rPr>
-                <a:t>. </a:t>
-              </a:r>
-              <a:r>
-                <a:rPr lang="en-US" b="0" i="0" dirty="0" err="1">
-                  <a:solidFill>
-                    <a:srgbClr val="7B8898"/>
-                  </a:solidFill>
-                  <a:effectLst/>
-                  <a:latin typeface="Mercury SSm A"/>
-                </a:rPr>
-                <a:t>Sapien</a:t>
-              </a:r>
-              <a:r>
-                <a:rPr lang="en-US" b="0" i="0" dirty="0">
-                  <a:solidFill>
-                    <a:srgbClr val="7B8898"/>
-                  </a:solidFill>
-                  <a:effectLst/>
-                  <a:latin typeface="Mercury SSm A"/>
-                </a:rPr>
-                <a:t> </a:t>
-              </a:r>
-              <a:r>
-                <a:rPr lang="en-US" b="0" i="0" dirty="0" err="1">
-                  <a:solidFill>
-                    <a:srgbClr val="7B8898"/>
-                  </a:solidFill>
-                  <a:effectLst/>
-                  <a:latin typeface="Mercury SSm A"/>
-                </a:rPr>
-                <a:t>faucibus</a:t>
-              </a:r>
-              <a:r>
-                <a:rPr lang="en-US" b="0" i="0" dirty="0">
-                  <a:solidFill>
-                    <a:srgbClr val="7B8898"/>
-                  </a:solidFill>
-                  <a:effectLst/>
-                  <a:latin typeface="Mercury SSm A"/>
-                </a:rPr>
-                <a:t> et </a:t>
-              </a:r>
-              <a:r>
-                <a:rPr lang="en-US" b="0" i="0" dirty="0" err="1">
-                  <a:solidFill>
-                    <a:srgbClr val="7B8898"/>
-                  </a:solidFill>
-                  <a:effectLst/>
-                  <a:latin typeface="Mercury SSm A"/>
-                </a:rPr>
-                <a:t>molestie</a:t>
-              </a:r>
-              <a:r>
-                <a:rPr lang="en-US" b="0" i="0" dirty="0">
-                  <a:solidFill>
-                    <a:srgbClr val="7B8898"/>
-                  </a:solidFill>
-                  <a:effectLst/>
-                  <a:latin typeface="Mercury SSm A"/>
-                </a:rPr>
-                <a:t> ac </a:t>
-              </a:r>
-              <a:r>
-                <a:rPr lang="en-US" b="0" i="0" dirty="0" err="1">
-                  <a:solidFill>
-                    <a:srgbClr val="7B8898"/>
-                  </a:solidFill>
-                  <a:effectLst/>
-                  <a:latin typeface="Mercury SSm A"/>
-                </a:rPr>
-                <a:t>feugiat</a:t>
-              </a:r>
-              <a:r>
-                <a:rPr lang="en-US" b="0" i="0" dirty="0">
-                  <a:solidFill>
-                    <a:srgbClr val="7B8898"/>
-                  </a:solidFill>
-                  <a:effectLst/>
-                  <a:latin typeface="Mercury SSm A"/>
-                </a:rPr>
-                <a:t> sed </a:t>
-              </a:r>
-              <a:r>
-                <a:rPr lang="en-US" b="0" i="0" dirty="0" err="1">
-                  <a:solidFill>
-                    <a:srgbClr val="7B8898"/>
-                  </a:solidFill>
-                  <a:effectLst/>
-                  <a:latin typeface="Mercury SSm A"/>
-                </a:rPr>
-                <a:t>lectus</a:t>
-              </a:r>
-              <a:r>
-                <a:rPr lang="en-US" b="0" i="0" dirty="0">
-                  <a:solidFill>
-                    <a:srgbClr val="7B8898"/>
-                  </a:solidFill>
-                  <a:effectLst/>
-                  <a:latin typeface="Mercury SSm A"/>
-                </a:rPr>
-                <a:t>. Pulvinar </a:t>
-              </a:r>
-              <a:r>
-                <a:rPr lang="en-US" b="0" i="0" dirty="0" err="1">
-                  <a:solidFill>
-                    <a:srgbClr val="7B8898"/>
-                  </a:solidFill>
-                  <a:effectLst/>
-                  <a:latin typeface="Mercury SSm A"/>
-                </a:rPr>
-                <a:t>sapien</a:t>
-              </a:r>
-              <a:r>
-                <a:rPr lang="en-US" b="0" i="0" dirty="0">
-                  <a:solidFill>
-                    <a:srgbClr val="7B8898"/>
-                  </a:solidFill>
-                  <a:effectLst/>
-                  <a:latin typeface="Mercury SSm A"/>
-                </a:rPr>
-                <a:t> et ligula </a:t>
-              </a:r>
-              <a:r>
-                <a:rPr lang="en-US" b="0" i="0" dirty="0" err="1">
-                  <a:solidFill>
-                    <a:srgbClr val="7B8898"/>
-                  </a:solidFill>
-                  <a:effectLst/>
-                  <a:latin typeface="Mercury SSm A"/>
-                </a:rPr>
-                <a:t>ullamcorper</a:t>
-              </a:r>
-              <a:r>
-                <a:rPr lang="en-US" b="0" i="0" dirty="0">
-                  <a:solidFill>
-                    <a:srgbClr val="7B8898"/>
-                  </a:solidFill>
-                  <a:effectLst/>
-                  <a:latin typeface="Mercury SSm A"/>
-                </a:rPr>
-                <a:t> </a:t>
-              </a:r>
-              <a:r>
-                <a:rPr lang="en-US" b="0" i="0" dirty="0" err="1">
-                  <a:solidFill>
-                    <a:srgbClr val="7B8898"/>
-                  </a:solidFill>
-                  <a:effectLst/>
-                  <a:latin typeface="Mercury SSm A"/>
-                </a:rPr>
-                <a:t>malesuada</a:t>
-              </a:r>
-              <a:r>
-                <a:rPr lang="en-US" b="0" i="0" dirty="0">
-                  <a:solidFill>
-                    <a:srgbClr val="7B8898"/>
-                  </a:solidFill>
-                  <a:effectLst/>
-                  <a:latin typeface="Mercury SSm A"/>
-                </a:rPr>
-                <a:t> </a:t>
-              </a:r>
-              <a:r>
-                <a:rPr lang="en-US" b="0" i="0" dirty="0" err="1">
-                  <a:solidFill>
-                    <a:srgbClr val="7B8898"/>
-                  </a:solidFill>
-                  <a:effectLst/>
-                  <a:latin typeface="Mercury SSm A"/>
-                </a:rPr>
-                <a:t>proin</a:t>
-              </a:r>
-              <a:r>
-                <a:rPr lang="en-US" b="0" i="0" dirty="0">
-                  <a:solidFill>
-                    <a:srgbClr val="7B8898"/>
-                  </a:solidFill>
-                  <a:effectLst/>
-                  <a:latin typeface="Mercury SSm A"/>
-                </a:rPr>
-                <a:t> libero. In dictum non </a:t>
-              </a:r>
-              <a:r>
-                <a:rPr lang="en-US" b="0" i="0" dirty="0" err="1">
-                  <a:solidFill>
-                    <a:srgbClr val="7B8898"/>
-                  </a:solidFill>
-                  <a:effectLst/>
-                  <a:latin typeface="Mercury SSm A"/>
-                </a:rPr>
-                <a:t>consectetur</a:t>
-              </a:r>
-              <a:r>
-                <a:rPr lang="en-US" b="0" i="0" dirty="0">
-                  <a:solidFill>
-                    <a:srgbClr val="7B8898"/>
-                  </a:solidFill>
-                  <a:effectLst/>
-                  <a:latin typeface="Mercury SSm A"/>
-                </a:rPr>
-                <a:t> a </a:t>
-              </a:r>
-              <a:r>
-                <a:rPr lang="en-US" b="0" i="0" dirty="0" err="1">
-                  <a:solidFill>
-                    <a:srgbClr val="7B8898"/>
-                  </a:solidFill>
-                  <a:effectLst/>
-                  <a:latin typeface="Mercury SSm A"/>
-                </a:rPr>
-                <a:t>erat</a:t>
-              </a:r>
-              <a:r>
-                <a:rPr lang="en-US" b="0" i="0" dirty="0">
-                  <a:solidFill>
-                    <a:srgbClr val="7B8898"/>
-                  </a:solidFill>
-                  <a:effectLst/>
-                  <a:latin typeface="Mercury SSm A"/>
-                </a:rPr>
-                <a:t> </a:t>
-              </a:r>
-              <a:r>
-                <a:rPr lang="en-US" b="0" i="0" dirty="0" err="1">
-                  <a:solidFill>
-                    <a:srgbClr val="7B8898"/>
-                  </a:solidFill>
-                  <a:effectLst/>
-                  <a:latin typeface="Mercury SSm A"/>
-                </a:rPr>
-                <a:t>nam</a:t>
-              </a:r>
-              <a:r>
-                <a:rPr lang="en-US" b="0" i="0" dirty="0">
-                  <a:solidFill>
-                    <a:srgbClr val="7B8898"/>
-                  </a:solidFill>
-                  <a:effectLst/>
-                  <a:latin typeface="Mercury SSm A"/>
-                </a:rPr>
-                <a:t> at. </a:t>
-              </a:r>
-              <a:endParaRPr lang="en-US" dirty="0"/>
             </a:p>
             <a:p>
               <a:pPr marL="285750" indent="-285750">
                 <a:buFont typeface="Arial" panose="020B0604020202020204" pitchFamily="34" charset="0"/>
                 <a:buChar char="•"/>
               </a:pPr>
-              <a:endParaRPr lang="en-US" dirty="0"/>
+              <a:r>
+                <a:rPr lang="en-US" u="sng" dirty="0"/>
+                <a:t>Recipe 2</a:t>
+              </a:r>
             </a:p>
           </p:txBody>
         </p:sp>
       </p:grpSp>
+      <p:sp>
+        <p:nvSpPr>
+          <p:cNvPr id="23" name="TextBox 22">
+            <a:extLst>
+              <a:ext uri="{FF2B5EF4-FFF2-40B4-BE49-F238E27FC236}">
+                <a16:creationId xmlns:a16="http://schemas.microsoft.com/office/drawing/2014/main" id="{4E19A8CD-E881-37EB-4761-9E1A80F5A846}"/>
+              </a:ext>
+            </a:extLst>
+          </p:cNvPr>
+          <p:cNvSpPr txBox="1"/>
+          <p:nvPr/>
+        </p:nvSpPr>
+        <p:spPr>
+          <a:xfrm>
+            <a:off x="690880" y="3591063"/>
+            <a:ext cx="2041380" cy="1173185"/>
+          </a:xfrm>
+          <a:prstGeom prst="rect">
+            <a:avLst/>
+          </a:prstGeom>
+          <a:noFill/>
+        </p:spPr>
+        <p:txBody>
+          <a:bodyPr wrap="square">
+            <a:spAutoFit/>
+          </a:bodyPr>
+          <a:lstStyle/>
+          <a:p>
+            <a:pPr marL="285750" indent="-285750">
+              <a:buFont typeface="Arial" panose="020B0604020202020204" pitchFamily="34" charset="0"/>
+              <a:buChar char="•"/>
+            </a:pPr>
+            <a:r>
+              <a:rPr lang="en-US" u="sng" dirty="0"/>
+              <a:t>Recipe 1</a:t>
+            </a:r>
+          </a:p>
+          <a:p>
+            <a:pPr marL="285750" indent="-285750">
+              <a:buFont typeface="Arial" panose="020B0604020202020204" pitchFamily="34" charset="0"/>
+              <a:buChar char="•"/>
+            </a:pPr>
+            <a:r>
+              <a:rPr lang="en-US" u="sng" dirty="0"/>
+              <a:t>Recipe 2</a:t>
+            </a:r>
+          </a:p>
+        </p:txBody>
+      </p:sp>
+      <p:sp>
+        <p:nvSpPr>
+          <p:cNvPr id="24" name="Rectangle: Rounded Corners 23">
+            <a:extLst>
+              <a:ext uri="{FF2B5EF4-FFF2-40B4-BE49-F238E27FC236}">
+                <a16:creationId xmlns:a16="http://schemas.microsoft.com/office/drawing/2014/main" id="{1B6ADD98-C83E-436F-F5E6-ABD5C40494A9}"/>
+              </a:ext>
+            </a:extLst>
+          </p:cNvPr>
+          <p:cNvSpPr/>
+          <p:nvPr/>
+        </p:nvSpPr>
+        <p:spPr>
+          <a:xfrm>
+            <a:off x="2171232" y="545317"/>
+            <a:ext cx="1283168" cy="217549"/>
+          </a:xfrm>
+          <a:prstGeom prst="roundRect">
+            <a:avLst/>
+          </a:prstGeom>
+          <a:solidFill>
+            <a:schemeClr val="bg1">
+              <a:lumMod val="95000"/>
+            </a:schemeClr>
+          </a:solidFill>
+          <a:ln>
+            <a:solidFill>
+              <a:srgbClr val="F8F9FA"/>
+            </a:solidFill>
+          </a:ln>
+        </p:spPr>
+        <p:style>
+          <a:lnRef idx="2">
+            <a:schemeClr val="accent1">
+              <a:shade val="15000"/>
+            </a:schemeClr>
+          </a:lnRef>
+          <a:fillRef idx="1">
+            <a:schemeClr val="accent1"/>
+          </a:fillRef>
+          <a:effectRef idx="0">
+            <a:schemeClr val="accent1"/>
+          </a:effectRef>
+          <a:fontRef idx="minor">
+            <a:schemeClr val="lt1"/>
+          </a:fontRef>
+        </p:style>
+        <p:txBody>
+          <a:bodyPr rtlCol="0" anchor="ctr"/>
+          <a:lstStyle/>
+          <a:p>
+            <a:pPr algn="ctr"/>
+            <a:r>
+              <a:rPr lang="en-US" sz="1100" dirty="0">
+                <a:solidFill>
+                  <a:schemeClr val="tx1"/>
+                </a:solidFill>
+              </a:rPr>
+              <a:t>Previous Searches</a:t>
+            </a:r>
+          </a:p>
+        </p:txBody>
+      </p:sp>
+      <p:pic>
+        <p:nvPicPr>
+          <p:cNvPr id="25" name="Picture 24">
+            <a:extLst>
+              <a:ext uri="{FF2B5EF4-FFF2-40B4-BE49-F238E27FC236}">
+                <a16:creationId xmlns:a16="http://schemas.microsoft.com/office/drawing/2014/main" id="{C9EB8D4E-3757-874F-7179-1B20980BF12B}"/>
+              </a:ext>
+            </a:extLst>
+          </p:cNvPr>
+          <p:cNvPicPr>
+            <a:picLocks noChangeAspect="1"/>
+          </p:cNvPicPr>
+          <p:nvPr/>
+        </p:nvPicPr>
+        <p:blipFill rotWithShape="1">
+          <a:blip r:embed="rId2"/>
+          <a:srcRect l="52915" t="8960" r="33697" b="21208"/>
+          <a:stretch/>
+        </p:blipFill>
+        <p:spPr>
+          <a:xfrm>
+            <a:off x="8044180" y="416768"/>
+            <a:ext cx="3398520" cy="442732"/>
+          </a:xfrm>
+          <a:prstGeom prst="rect">
+            <a:avLst/>
+          </a:prstGeom>
+        </p:spPr>
+      </p:pic>
     </p:spTree>
     <p:extLst>
       <p:ext uri="{BB962C8B-B14F-4D97-AF65-F5344CB8AC3E}">
-        <p14:creationId xmlns:p14="http://schemas.microsoft.com/office/powerpoint/2010/main" val="2953317449"/>
+        <p14:creationId xmlns:p14="http://schemas.microsoft.com/office/powerpoint/2010/main" val="2372460032"/>
       </p:ext>
     </p:extLst>
   </p:cSld>
@@ -4865,6 +4362,3318 @@
       </p:grpSpPr>
       <p:pic>
         <p:nvPicPr>
+          <p:cNvPr id="5" name="Picture 4">
+            <a:extLst>
+              <a:ext uri="{FF2B5EF4-FFF2-40B4-BE49-F238E27FC236}">
+                <a16:creationId xmlns:a16="http://schemas.microsoft.com/office/drawing/2014/main" id="{BAB2F4A9-4829-60E2-3897-33DB0941F153}"/>
+              </a:ext>
+            </a:extLst>
+          </p:cNvPr>
+          <p:cNvPicPr>
+            <a:picLocks noChangeAspect="1"/>
+          </p:cNvPicPr>
+          <p:nvPr/>
+        </p:nvPicPr>
+        <p:blipFill>
+          <a:blip r:embed="rId2"/>
+          <a:stretch>
+            <a:fillRect/>
+          </a:stretch>
+        </p:blipFill>
+        <p:spPr>
+          <a:xfrm>
+            <a:off x="426720" y="330835"/>
+            <a:ext cx="11155680" cy="628650"/>
+          </a:xfrm>
+          <a:prstGeom prst="rect">
+            <a:avLst/>
+          </a:prstGeom>
+        </p:spPr>
+      </p:pic>
+      <p:grpSp>
+        <p:nvGrpSpPr>
+          <p:cNvPr id="20" name="Group 19">
+            <a:extLst>
+              <a:ext uri="{FF2B5EF4-FFF2-40B4-BE49-F238E27FC236}">
+                <a16:creationId xmlns:a16="http://schemas.microsoft.com/office/drawing/2014/main" id="{57E2CF28-86E7-FF95-BD95-A6DE805E7612}"/>
+              </a:ext>
+            </a:extLst>
+          </p:cNvPr>
+          <p:cNvGrpSpPr/>
+          <p:nvPr/>
+        </p:nvGrpSpPr>
+        <p:grpSpPr>
+          <a:xfrm>
+            <a:off x="690880" y="1076959"/>
+            <a:ext cx="10952480" cy="3698241"/>
+            <a:chOff x="690880" y="1076959"/>
+            <a:chExt cx="10952480" cy="2275841"/>
+          </a:xfrm>
+        </p:grpSpPr>
+        <p:sp>
+          <p:nvSpPr>
+            <p:cNvPr id="6" name="Rectangle 5">
+              <a:extLst>
+                <a:ext uri="{FF2B5EF4-FFF2-40B4-BE49-F238E27FC236}">
+                  <a16:creationId xmlns:a16="http://schemas.microsoft.com/office/drawing/2014/main" id="{EBB0B359-E096-B1F3-0777-9FFC91165C40}"/>
+                </a:ext>
+              </a:extLst>
+            </p:cNvPr>
+            <p:cNvSpPr/>
+            <p:nvPr/>
+          </p:nvSpPr>
+          <p:spPr>
+            <a:xfrm>
+              <a:off x="690880" y="1076959"/>
+              <a:ext cx="10952480" cy="2275841"/>
+            </a:xfrm>
+            <a:prstGeom prst="rect">
+              <a:avLst/>
+            </a:prstGeom>
+            <a:gradFill flip="none" rotWithShape="1">
+              <a:gsLst>
+                <a:gs pos="0">
+                  <a:srgbClr val="EBCBB6"/>
+                </a:gs>
+                <a:gs pos="100000">
+                  <a:srgbClr val="FBF6F3"/>
+                </a:gs>
+              </a:gsLst>
+              <a:path path="circle">
+                <a:fillToRect l="100000" t="100000"/>
+              </a:path>
+              <a:tileRect r="-100000" b="-100000"/>
+            </a:gradFill>
+            <a:ln>
+              <a:noFill/>
+            </a:ln>
+          </p:spPr>
+          <p:style>
+            <a:lnRef idx="2">
+              <a:schemeClr val="accent1">
+                <a:shade val="15000"/>
+              </a:schemeClr>
+            </a:lnRef>
+            <a:fillRef idx="1">
+              <a:schemeClr val="accent1"/>
+            </a:fillRef>
+            <a:effectRef idx="0">
+              <a:schemeClr val="accent1"/>
+            </a:effectRef>
+            <a:fontRef idx="minor">
+              <a:schemeClr val="lt1"/>
+            </a:fontRef>
+          </p:style>
+          <p:txBody>
+            <a:bodyPr rtlCol="0" anchor="ctr"/>
+            <a:lstStyle/>
+            <a:p>
+              <a:pPr algn="ctr"/>
+              <a:endParaRPr lang="en-US" dirty="0"/>
+            </a:p>
+          </p:txBody>
+        </p:sp>
+        <p:sp>
+          <p:nvSpPr>
+            <p:cNvPr id="9" name="Rectangle: Rounded Corners 8">
+              <a:extLst>
+                <a:ext uri="{FF2B5EF4-FFF2-40B4-BE49-F238E27FC236}">
+                  <a16:creationId xmlns:a16="http://schemas.microsoft.com/office/drawing/2014/main" id="{54741418-5782-F630-F43C-EC8FA5A84ABC}"/>
+                </a:ext>
+              </a:extLst>
+            </p:cNvPr>
+            <p:cNvSpPr/>
+            <p:nvPr/>
+          </p:nvSpPr>
+          <p:spPr>
+            <a:xfrm>
+              <a:off x="2712720" y="1808480"/>
+              <a:ext cx="7294880" cy="868046"/>
+            </a:xfrm>
+            <a:prstGeom prst="roundRect">
+              <a:avLst/>
+            </a:prstGeom>
+            <a:solidFill>
+              <a:schemeClr val="bg1">
+                <a:lumMod val="95000"/>
+              </a:schemeClr>
+            </a:solidFill>
+            <a:ln>
+              <a:solidFill>
+                <a:schemeClr val="bg1">
+                  <a:lumMod val="65000"/>
+                </a:schemeClr>
+              </a:solidFill>
+            </a:ln>
+          </p:spPr>
+          <p:style>
+            <a:lnRef idx="2">
+              <a:schemeClr val="accent1">
+                <a:shade val="15000"/>
+              </a:schemeClr>
+            </a:lnRef>
+            <a:fillRef idx="1">
+              <a:schemeClr val="accent1"/>
+            </a:fillRef>
+            <a:effectRef idx="0">
+              <a:schemeClr val="accent1"/>
+            </a:effectRef>
+            <a:fontRef idx="minor">
+              <a:schemeClr val="lt1"/>
+            </a:fontRef>
+          </p:style>
+          <p:txBody>
+            <a:bodyPr rtlCol="0" anchor="ctr"/>
+            <a:lstStyle/>
+            <a:p>
+              <a:pPr algn="ctr"/>
+              <a:endParaRPr lang="en-US"/>
+            </a:p>
+          </p:txBody>
+        </p:sp>
+        <p:sp>
+          <p:nvSpPr>
+            <p:cNvPr id="10" name="Rectangle: Rounded Corners 9">
+              <a:extLst>
+                <a:ext uri="{FF2B5EF4-FFF2-40B4-BE49-F238E27FC236}">
+                  <a16:creationId xmlns:a16="http://schemas.microsoft.com/office/drawing/2014/main" id="{260B4153-244B-807A-A1FA-A21DBF5DA418}"/>
+                </a:ext>
+              </a:extLst>
+            </p:cNvPr>
+            <p:cNvSpPr/>
+            <p:nvPr/>
+          </p:nvSpPr>
+          <p:spPr>
+            <a:xfrm>
+              <a:off x="3454400" y="2828925"/>
+              <a:ext cx="1645920" cy="400050"/>
+            </a:xfrm>
+            <a:prstGeom prst="roundRect">
+              <a:avLst/>
+            </a:prstGeom>
+            <a:solidFill>
+              <a:schemeClr val="bg1">
+                <a:lumMod val="95000"/>
+              </a:schemeClr>
+            </a:solidFill>
+            <a:ln>
+              <a:solidFill>
+                <a:schemeClr val="bg1">
+                  <a:lumMod val="65000"/>
+                </a:schemeClr>
+              </a:solidFill>
+            </a:ln>
+          </p:spPr>
+          <p:style>
+            <a:lnRef idx="2">
+              <a:schemeClr val="accent1">
+                <a:shade val="15000"/>
+              </a:schemeClr>
+            </a:lnRef>
+            <a:fillRef idx="1">
+              <a:schemeClr val="accent1"/>
+            </a:fillRef>
+            <a:effectRef idx="0">
+              <a:schemeClr val="accent1"/>
+            </a:effectRef>
+            <a:fontRef idx="minor">
+              <a:schemeClr val="lt1"/>
+            </a:fontRef>
+          </p:style>
+          <p:txBody>
+            <a:bodyPr rtlCol="0" anchor="ctr"/>
+            <a:lstStyle/>
+            <a:p>
+              <a:pPr algn="ctr"/>
+              <a:r>
+                <a:rPr lang="en-US" dirty="0">
+                  <a:solidFill>
+                    <a:schemeClr val="tx1"/>
+                  </a:solidFill>
+                </a:rPr>
+                <a:t>Use your voice</a:t>
+              </a:r>
+            </a:p>
+          </p:txBody>
+        </p:sp>
+        <p:sp>
+          <p:nvSpPr>
+            <p:cNvPr id="11" name="Rectangle: Rounded Corners 10">
+              <a:extLst>
+                <a:ext uri="{FF2B5EF4-FFF2-40B4-BE49-F238E27FC236}">
+                  <a16:creationId xmlns:a16="http://schemas.microsoft.com/office/drawing/2014/main" id="{DB49ED66-E8EA-4244-ADE5-6C7D615ECC6D}"/>
+                </a:ext>
+              </a:extLst>
+            </p:cNvPr>
+            <p:cNvSpPr/>
+            <p:nvPr/>
+          </p:nvSpPr>
+          <p:spPr>
+            <a:xfrm>
+              <a:off x="5547360" y="2830195"/>
+              <a:ext cx="1645920" cy="400050"/>
+            </a:xfrm>
+            <a:prstGeom prst="roundRect">
+              <a:avLst/>
+            </a:prstGeom>
+            <a:solidFill>
+              <a:schemeClr val="bg1">
+                <a:lumMod val="95000"/>
+              </a:schemeClr>
+            </a:solidFill>
+            <a:ln>
+              <a:solidFill>
+                <a:schemeClr val="bg1">
+                  <a:lumMod val="65000"/>
+                </a:schemeClr>
+              </a:solidFill>
+            </a:ln>
+          </p:spPr>
+          <p:style>
+            <a:lnRef idx="2">
+              <a:schemeClr val="accent1">
+                <a:shade val="15000"/>
+              </a:schemeClr>
+            </a:lnRef>
+            <a:fillRef idx="1">
+              <a:schemeClr val="accent1"/>
+            </a:fillRef>
+            <a:effectRef idx="0">
+              <a:schemeClr val="accent1"/>
+            </a:effectRef>
+            <a:fontRef idx="minor">
+              <a:schemeClr val="lt1"/>
+            </a:fontRef>
+          </p:style>
+          <p:txBody>
+            <a:bodyPr rtlCol="0" anchor="ctr"/>
+            <a:lstStyle/>
+            <a:p>
+              <a:pPr algn="ctr"/>
+              <a:r>
+                <a:rPr lang="en-US" dirty="0">
+                  <a:solidFill>
+                    <a:schemeClr val="tx1"/>
+                  </a:solidFill>
+                </a:rPr>
+                <a:t>Clear</a:t>
+              </a:r>
+            </a:p>
+          </p:txBody>
+        </p:sp>
+        <p:sp>
+          <p:nvSpPr>
+            <p:cNvPr id="12" name="Rectangle: Rounded Corners 11">
+              <a:extLst>
+                <a:ext uri="{FF2B5EF4-FFF2-40B4-BE49-F238E27FC236}">
+                  <a16:creationId xmlns:a16="http://schemas.microsoft.com/office/drawing/2014/main" id="{6C4B2333-6743-E9AF-2936-FAA813F5283C}"/>
+                </a:ext>
+              </a:extLst>
+            </p:cNvPr>
+            <p:cNvSpPr/>
+            <p:nvPr/>
+          </p:nvSpPr>
+          <p:spPr>
+            <a:xfrm>
+              <a:off x="7548880" y="2828925"/>
+              <a:ext cx="1645920" cy="400050"/>
+            </a:xfrm>
+            <a:prstGeom prst="roundRect">
+              <a:avLst/>
+            </a:prstGeom>
+            <a:solidFill>
+              <a:schemeClr val="bg1">
+                <a:lumMod val="95000"/>
+              </a:schemeClr>
+            </a:solidFill>
+            <a:ln>
+              <a:solidFill>
+                <a:schemeClr val="bg1">
+                  <a:lumMod val="65000"/>
+                </a:schemeClr>
+              </a:solidFill>
+            </a:ln>
+          </p:spPr>
+          <p:style>
+            <a:lnRef idx="2">
+              <a:schemeClr val="accent1">
+                <a:shade val="15000"/>
+              </a:schemeClr>
+            </a:lnRef>
+            <a:fillRef idx="1">
+              <a:schemeClr val="accent1"/>
+            </a:fillRef>
+            <a:effectRef idx="0">
+              <a:schemeClr val="accent1"/>
+            </a:effectRef>
+            <a:fontRef idx="minor">
+              <a:schemeClr val="lt1"/>
+            </a:fontRef>
+          </p:style>
+          <p:txBody>
+            <a:bodyPr rtlCol="0" anchor="ctr"/>
+            <a:lstStyle/>
+            <a:p>
+              <a:pPr algn="ctr"/>
+              <a:r>
+                <a:rPr lang="en-US" dirty="0">
+                  <a:solidFill>
+                    <a:schemeClr val="tx1"/>
+                  </a:solidFill>
+                </a:rPr>
+                <a:t>Search</a:t>
+              </a:r>
+            </a:p>
+          </p:txBody>
+        </p:sp>
+        <p:sp>
+          <p:nvSpPr>
+            <p:cNvPr id="13" name="TextBox 12">
+              <a:extLst>
+                <a:ext uri="{FF2B5EF4-FFF2-40B4-BE49-F238E27FC236}">
+                  <a16:creationId xmlns:a16="http://schemas.microsoft.com/office/drawing/2014/main" id="{B7B0902B-CB8A-13DD-39B5-B1200E70CCA7}"/>
+                </a:ext>
+              </a:extLst>
+            </p:cNvPr>
+            <p:cNvSpPr txBox="1"/>
+            <p:nvPr/>
+          </p:nvSpPr>
+          <p:spPr>
+            <a:xfrm>
+              <a:off x="2712720" y="1310640"/>
+              <a:ext cx="7162800" cy="400110"/>
+            </a:xfrm>
+            <a:prstGeom prst="rect">
+              <a:avLst/>
+            </a:prstGeom>
+            <a:noFill/>
+          </p:spPr>
+          <p:txBody>
+            <a:bodyPr wrap="square" rtlCol="0">
+              <a:spAutoFit/>
+            </a:bodyPr>
+            <a:lstStyle/>
+            <a:p>
+              <a:pPr algn="ctr"/>
+              <a:r>
+                <a:rPr lang="en-US" sz="2000" b="1" dirty="0"/>
+                <a:t>Find recipes from your favorite meals</a:t>
+              </a:r>
+            </a:p>
+          </p:txBody>
+        </p:sp>
+      </p:grpSp>
+      <p:sp>
+        <p:nvSpPr>
+          <p:cNvPr id="14" name="Rectangle: Rounded Corners 13">
+            <a:extLst>
+              <a:ext uri="{FF2B5EF4-FFF2-40B4-BE49-F238E27FC236}">
+                <a16:creationId xmlns:a16="http://schemas.microsoft.com/office/drawing/2014/main" id="{AD9B2BA3-7413-F25F-AFED-4E8F5C647E8D}"/>
+              </a:ext>
+            </a:extLst>
+          </p:cNvPr>
+          <p:cNvSpPr/>
+          <p:nvPr/>
+        </p:nvSpPr>
+        <p:spPr>
+          <a:xfrm>
+            <a:off x="2171232" y="545317"/>
+            <a:ext cx="1283168" cy="217549"/>
+          </a:xfrm>
+          <a:prstGeom prst="roundRect">
+            <a:avLst/>
+          </a:prstGeom>
+          <a:solidFill>
+            <a:schemeClr val="bg1">
+              <a:lumMod val="95000"/>
+            </a:schemeClr>
+          </a:solidFill>
+          <a:ln>
+            <a:solidFill>
+              <a:srgbClr val="F8F9FA"/>
+            </a:solidFill>
+          </a:ln>
+        </p:spPr>
+        <p:style>
+          <a:lnRef idx="2">
+            <a:schemeClr val="accent1">
+              <a:shade val="15000"/>
+            </a:schemeClr>
+          </a:lnRef>
+          <a:fillRef idx="1">
+            <a:schemeClr val="accent1"/>
+          </a:fillRef>
+          <a:effectRef idx="0">
+            <a:schemeClr val="accent1"/>
+          </a:effectRef>
+          <a:fontRef idx="minor">
+            <a:schemeClr val="lt1"/>
+          </a:fontRef>
+        </p:style>
+        <p:txBody>
+          <a:bodyPr rtlCol="0" anchor="ctr"/>
+          <a:lstStyle/>
+          <a:p>
+            <a:pPr algn="ctr"/>
+            <a:r>
+              <a:rPr lang="en-US" sz="1100" dirty="0">
+                <a:solidFill>
+                  <a:schemeClr val="tx1"/>
+                </a:solidFill>
+              </a:rPr>
+              <a:t>Previous Searches</a:t>
+            </a:r>
+          </a:p>
+        </p:txBody>
+      </p:sp>
+      <p:sp>
+        <p:nvSpPr>
+          <p:cNvPr id="16" name="Rectangle: Rounded Corners 15">
+            <a:extLst>
+              <a:ext uri="{FF2B5EF4-FFF2-40B4-BE49-F238E27FC236}">
+                <a16:creationId xmlns:a16="http://schemas.microsoft.com/office/drawing/2014/main" id="{44D36D32-A6B8-FC5A-26FC-419DEE3D24B2}"/>
+              </a:ext>
+            </a:extLst>
+          </p:cNvPr>
+          <p:cNvSpPr/>
+          <p:nvPr/>
+        </p:nvSpPr>
+        <p:spPr>
+          <a:xfrm>
+            <a:off x="3454400" y="515015"/>
+            <a:ext cx="1082975" cy="301285"/>
+          </a:xfrm>
+          <a:prstGeom prst="roundRect">
+            <a:avLst/>
+          </a:prstGeom>
+          <a:solidFill>
+            <a:schemeClr val="bg1">
+              <a:lumMod val="95000"/>
+            </a:schemeClr>
+          </a:solidFill>
+          <a:ln>
+            <a:solidFill>
+              <a:srgbClr val="F8F9FA"/>
+            </a:solidFill>
+          </a:ln>
+        </p:spPr>
+        <p:style>
+          <a:lnRef idx="2">
+            <a:schemeClr val="accent1">
+              <a:shade val="15000"/>
+            </a:schemeClr>
+          </a:lnRef>
+          <a:fillRef idx="1">
+            <a:schemeClr val="accent1"/>
+          </a:fillRef>
+          <a:effectRef idx="0">
+            <a:schemeClr val="accent1"/>
+          </a:effectRef>
+          <a:fontRef idx="minor">
+            <a:schemeClr val="lt1"/>
+          </a:fontRef>
+        </p:style>
+        <p:txBody>
+          <a:bodyPr rtlCol="0" anchor="ctr"/>
+          <a:lstStyle/>
+          <a:p>
+            <a:pPr algn="ctr"/>
+            <a:r>
+              <a:rPr lang="en-US" sz="1100" dirty="0">
+                <a:solidFill>
+                  <a:schemeClr val="tx1"/>
+                </a:solidFill>
+              </a:rPr>
+              <a:t>Explore More</a:t>
+            </a:r>
+          </a:p>
+        </p:txBody>
+      </p:sp>
+      <p:sp>
+        <p:nvSpPr>
+          <p:cNvPr id="17" name="Rectangle: Rounded Corners 16">
+            <a:extLst>
+              <a:ext uri="{FF2B5EF4-FFF2-40B4-BE49-F238E27FC236}">
+                <a16:creationId xmlns:a16="http://schemas.microsoft.com/office/drawing/2014/main" id="{F283F8B0-FC7F-C350-E8D2-BA879FE114C9}"/>
+              </a:ext>
+            </a:extLst>
+          </p:cNvPr>
+          <p:cNvSpPr/>
+          <p:nvPr/>
+        </p:nvSpPr>
+        <p:spPr>
+          <a:xfrm>
+            <a:off x="757489" y="485626"/>
+            <a:ext cx="912561" cy="301285"/>
+          </a:xfrm>
+          <a:prstGeom prst="roundRect">
+            <a:avLst/>
+          </a:prstGeom>
+          <a:solidFill>
+            <a:schemeClr val="bg1">
+              <a:lumMod val="95000"/>
+            </a:schemeClr>
+          </a:solidFill>
+          <a:ln>
+            <a:solidFill>
+              <a:srgbClr val="F8F9FA"/>
+            </a:solidFill>
+          </a:ln>
+        </p:spPr>
+        <p:style>
+          <a:lnRef idx="2">
+            <a:schemeClr val="accent1">
+              <a:shade val="15000"/>
+            </a:schemeClr>
+          </a:lnRef>
+          <a:fillRef idx="1">
+            <a:schemeClr val="accent1"/>
+          </a:fillRef>
+          <a:effectRef idx="0">
+            <a:schemeClr val="accent1"/>
+          </a:effectRef>
+          <a:fontRef idx="minor">
+            <a:schemeClr val="lt1"/>
+          </a:fontRef>
+        </p:style>
+        <p:txBody>
+          <a:bodyPr rtlCol="0" anchor="ctr"/>
+          <a:lstStyle/>
+          <a:p>
+            <a:pPr algn="ctr"/>
+            <a:r>
+              <a:rPr lang="en-US" sz="1200" b="1" dirty="0">
+                <a:solidFill>
+                  <a:schemeClr val="tx1"/>
+                </a:solidFill>
+                <a:latin typeface="Curlz MT" panose="04040404050702020202" pitchFamily="82" charset="0"/>
+              </a:rPr>
+              <a:t>Our Cool Name</a:t>
+            </a:r>
+          </a:p>
+        </p:txBody>
+      </p:sp>
+      <p:grpSp>
+        <p:nvGrpSpPr>
+          <p:cNvPr id="22" name="Group 21">
+            <a:extLst>
+              <a:ext uri="{FF2B5EF4-FFF2-40B4-BE49-F238E27FC236}">
+                <a16:creationId xmlns:a16="http://schemas.microsoft.com/office/drawing/2014/main" id="{46A68247-A3B3-39C2-D4CC-AB67ED484856}"/>
+              </a:ext>
+            </a:extLst>
+          </p:cNvPr>
+          <p:cNvGrpSpPr/>
+          <p:nvPr/>
+        </p:nvGrpSpPr>
+        <p:grpSpPr>
+          <a:xfrm>
+            <a:off x="757489" y="5222604"/>
+            <a:ext cx="10931224" cy="944277"/>
+            <a:chOff x="682324" y="3061199"/>
+            <a:chExt cx="8095916" cy="944277"/>
+          </a:xfrm>
+        </p:grpSpPr>
+        <p:sp>
+          <p:nvSpPr>
+            <p:cNvPr id="23" name="TextBox 22">
+              <a:extLst>
+                <a:ext uri="{FF2B5EF4-FFF2-40B4-BE49-F238E27FC236}">
+                  <a16:creationId xmlns:a16="http://schemas.microsoft.com/office/drawing/2014/main" id="{E774A40F-B5C6-0ED8-0CA1-6C6918F218C4}"/>
+                </a:ext>
+              </a:extLst>
+            </p:cNvPr>
+            <p:cNvSpPr txBox="1"/>
+            <p:nvPr/>
+          </p:nvSpPr>
+          <p:spPr>
+            <a:xfrm>
+              <a:off x="682324" y="3061199"/>
+              <a:ext cx="8095916" cy="923330"/>
+            </a:xfrm>
+            <a:prstGeom prst="rect">
+              <a:avLst/>
+            </a:prstGeom>
+          </p:spPr>
+          <p:style>
+            <a:lnRef idx="2">
+              <a:schemeClr val="accent2"/>
+            </a:lnRef>
+            <a:fillRef idx="1">
+              <a:schemeClr val="lt1"/>
+            </a:fillRef>
+            <a:effectRef idx="0">
+              <a:schemeClr val="accent2"/>
+            </a:effectRef>
+            <a:fontRef idx="minor">
+              <a:schemeClr val="dk1"/>
+            </a:fontRef>
+          </p:style>
+          <p:txBody>
+            <a:bodyPr wrap="square" numCol="3" rtlCol="0">
+              <a:spAutoFit/>
+            </a:bodyPr>
+            <a:lstStyle/>
+            <a:p>
+              <a:r>
+                <a:rPr lang="en-US" b="1" dirty="0"/>
+                <a:t>Results 10 Searches:</a:t>
+              </a:r>
+            </a:p>
+            <a:p>
+              <a:pPr marL="285750" indent="-285750">
+                <a:buFont typeface="Arial" panose="020B0604020202020204" pitchFamily="34" charset="0"/>
+                <a:buChar char="•"/>
+              </a:pPr>
+              <a:r>
+                <a:rPr lang="en-US" u="sng" dirty="0"/>
+                <a:t>Recipe 1</a:t>
+              </a:r>
+            </a:p>
+            <a:p>
+              <a:pPr marL="285750" indent="-285750">
+                <a:buFont typeface="Arial" panose="020B0604020202020204" pitchFamily="34" charset="0"/>
+                <a:buChar char="•"/>
+              </a:pPr>
+              <a:r>
+                <a:rPr lang="en-US" u="sng" dirty="0"/>
+                <a:t>Recipe 2</a:t>
+              </a:r>
+            </a:p>
+          </p:txBody>
+        </p:sp>
+        <p:sp>
+          <p:nvSpPr>
+            <p:cNvPr id="24" name="TextBox 23">
+              <a:extLst>
+                <a:ext uri="{FF2B5EF4-FFF2-40B4-BE49-F238E27FC236}">
+                  <a16:creationId xmlns:a16="http://schemas.microsoft.com/office/drawing/2014/main" id="{D0973947-A0EF-B8DC-082B-F7C21B491FA3}"/>
+                </a:ext>
+              </a:extLst>
+            </p:cNvPr>
+            <p:cNvSpPr txBox="1"/>
+            <p:nvPr/>
+          </p:nvSpPr>
+          <p:spPr>
+            <a:xfrm>
+              <a:off x="2210602" y="3359145"/>
+              <a:ext cx="1535898" cy="646331"/>
+            </a:xfrm>
+            <a:prstGeom prst="rect">
+              <a:avLst/>
+            </a:prstGeom>
+            <a:noFill/>
+          </p:spPr>
+          <p:txBody>
+            <a:bodyPr wrap="square">
+              <a:spAutoFit/>
+            </a:bodyPr>
+            <a:lstStyle/>
+            <a:p>
+              <a:pPr marL="285750" indent="-285750">
+                <a:buFont typeface="Arial" panose="020B0604020202020204" pitchFamily="34" charset="0"/>
+                <a:buChar char="•"/>
+              </a:pPr>
+              <a:r>
+                <a:rPr lang="en-US" u="sng" dirty="0"/>
+                <a:t>Recipe 1</a:t>
+              </a:r>
+            </a:p>
+            <a:p>
+              <a:pPr marL="285750" indent="-285750">
+                <a:buFont typeface="Arial" panose="020B0604020202020204" pitchFamily="34" charset="0"/>
+                <a:buChar char="•"/>
+              </a:pPr>
+              <a:r>
+                <a:rPr lang="en-US" u="sng" dirty="0"/>
+                <a:t>Recipe 2</a:t>
+              </a:r>
+            </a:p>
+          </p:txBody>
+        </p:sp>
+        <p:sp>
+          <p:nvSpPr>
+            <p:cNvPr id="25" name="TextBox 24">
+              <a:extLst>
+                <a:ext uri="{FF2B5EF4-FFF2-40B4-BE49-F238E27FC236}">
+                  <a16:creationId xmlns:a16="http://schemas.microsoft.com/office/drawing/2014/main" id="{108FBE25-A837-6597-EE94-629F1F2EC56F}"/>
+                </a:ext>
+              </a:extLst>
+            </p:cNvPr>
+            <p:cNvSpPr txBox="1"/>
+            <p:nvPr/>
+          </p:nvSpPr>
+          <p:spPr>
+            <a:xfrm>
+              <a:off x="3738880" y="3353112"/>
+              <a:ext cx="1535898" cy="646331"/>
+            </a:xfrm>
+            <a:prstGeom prst="rect">
+              <a:avLst/>
+            </a:prstGeom>
+            <a:noFill/>
+          </p:spPr>
+          <p:txBody>
+            <a:bodyPr wrap="square">
+              <a:spAutoFit/>
+            </a:bodyPr>
+            <a:lstStyle/>
+            <a:p>
+              <a:pPr marL="285750" indent="-285750">
+                <a:buFont typeface="Arial" panose="020B0604020202020204" pitchFamily="34" charset="0"/>
+                <a:buChar char="•"/>
+              </a:pPr>
+              <a:r>
+                <a:rPr lang="en-US" u="sng" dirty="0"/>
+                <a:t>Recipe 1</a:t>
+              </a:r>
+            </a:p>
+            <a:p>
+              <a:pPr marL="285750" indent="-285750">
+                <a:buFont typeface="Arial" panose="020B0604020202020204" pitchFamily="34" charset="0"/>
+                <a:buChar char="•"/>
+              </a:pPr>
+              <a:r>
+                <a:rPr lang="en-US" u="sng" dirty="0"/>
+                <a:t>Recipe 2</a:t>
+              </a:r>
+            </a:p>
+          </p:txBody>
+        </p:sp>
+        <p:sp>
+          <p:nvSpPr>
+            <p:cNvPr id="26" name="TextBox 25">
+              <a:extLst>
+                <a:ext uri="{FF2B5EF4-FFF2-40B4-BE49-F238E27FC236}">
+                  <a16:creationId xmlns:a16="http://schemas.microsoft.com/office/drawing/2014/main" id="{7F3C5DF1-8A2D-AFBA-1934-F02E792393FC}"/>
+                </a:ext>
+              </a:extLst>
+            </p:cNvPr>
+            <p:cNvSpPr txBox="1"/>
+            <p:nvPr/>
+          </p:nvSpPr>
+          <p:spPr>
+            <a:xfrm>
+              <a:off x="5328051" y="3353112"/>
+              <a:ext cx="1535898" cy="646331"/>
+            </a:xfrm>
+            <a:prstGeom prst="rect">
+              <a:avLst/>
+            </a:prstGeom>
+            <a:noFill/>
+          </p:spPr>
+          <p:txBody>
+            <a:bodyPr wrap="square">
+              <a:spAutoFit/>
+            </a:bodyPr>
+            <a:lstStyle/>
+            <a:p>
+              <a:pPr marL="285750" indent="-285750">
+                <a:buFont typeface="Arial" panose="020B0604020202020204" pitchFamily="34" charset="0"/>
+                <a:buChar char="•"/>
+              </a:pPr>
+              <a:r>
+                <a:rPr lang="en-US" u="sng" dirty="0"/>
+                <a:t>Recipe 1</a:t>
+              </a:r>
+            </a:p>
+            <a:p>
+              <a:pPr marL="285750" indent="-285750">
+                <a:buFont typeface="Arial" panose="020B0604020202020204" pitchFamily="34" charset="0"/>
+                <a:buChar char="•"/>
+              </a:pPr>
+              <a:r>
+                <a:rPr lang="en-US" u="sng" dirty="0"/>
+                <a:t>Recipe 2</a:t>
+              </a:r>
+            </a:p>
+          </p:txBody>
+        </p:sp>
+        <p:sp>
+          <p:nvSpPr>
+            <p:cNvPr id="27" name="TextBox 26">
+              <a:extLst>
+                <a:ext uri="{FF2B5EF4-FFF2-40B4-BE49-F238E27FC236}">
+                  <a16:creationId xmlns:a16="http://schemas.microsoft.com/office/drawing/2014/main" id="{26F1B263-5BCD-A297-EB70-E89A065EC36A}"/>
+                </a:ext>
+              </a:extLst>
+            </p:cNvPr>
+            <p:cNvSpPr txBox="1"/>
+            <p:nvPr/>
+          </p:nvSpPr>
+          <p:spPr>
+            <a:xfrm>
+              <a:off x="6969693" y="3353112"/>
+              <a:ext cx="1535898" cy="646331"/>
+            </a:xfrm>
+            <a:prstGeom prst="rect">
+              <a:avLst/>
+            </a:prstGeom>
+            <a:noFill/>
+          </p:spPr>
+          <p:txBody>
+            <a:bodyPr wrap="square">
+              <a:spAutoFit/>
+            </a:bodyPr>
+            <a:lstStyle/>
+            <a:p>
+              <a:pPr marL="285750" indent="-285750">
+                <a:buFont typeface="Arial" panose="020B0604020202020204" pitchFamily="34" charset="0"/>
+                <a:buChar char="•"/>
+              </a:pPr>
+              <a:r>
+                <a:rPr lang="en-US" u="sng" dirty="0"/>
+                <a:t>Recipe 1</a:t>
+              </a:r>
+            </a:p>
+            <a:p>
+              <a:pPr marL="285750" indent="-285750">
+                <a:buFont typeface="Arial" panose="020B0604020202020204" pitchFamily="34" charset="0"/>
+                <a:buChar char="•"/>
+              </a:pPr>
+              <a:r>
+                <a:rPr lang="en-US" u="sng" dirty="0"/>
+                <a:t>Recipe 2</a:t>
+              </a:r>
+            </a:p>
+          </p:txBody>
+        </p:sp>
+      </p:grpSp>
+      <p:pic>
+        <p:nvPicPr>
+          <p:cNvPr id="30" name="Picture 29">
+            <a:extLst>
+              <a:ext uri="{FF2B5EF4-FFF2-40B4-BE49-F238E27FC236}">
+                <a16:creationId xmlns:a16="http://schemas.microsoft.com/office/drawing/2014/main" id="{9A95BC4F-8725-1016-DEE5-AD07A759C8AF}"/>
+              </a:ext>
+            </a:extLst>
+          </p:cNvPr>
+          <p:cNvPicPr>
+            <a:picLocks noChangeAspect="1"/>
+          </p:cNvPicPr>
+          <p:nvPr/>
+        </p:nvPicPr>
+        <p:blipFill rotWithShape="1">
+          <a:blip r:embed="rId2"/>
+          <a:srcRect l="52915" t="8960" r="33697" b="21208"/>
+          <a:stretch/>
+        </p:blipFill>
+        <p:spPr>
+          <a:xfrm>
+            <a:off x="8044180" y="416768"/>
+            <a:ext cx="3398520" cy="442732"/>
+          </a:xfrm>
+          <a:prstGeom prst="rect">
+            <a:avLst/>
+          </a:prstGeom>
+        </p:spPr>
+      </p:pic>
+      <p:sp>
+        <p:nvSpPr>
+          <p:cNvPr id="31" name="TextBox 30">
+            <a:extLst>
+              <a:ext uri="{FF2B5EF4-FFF2-40B4-BE49-F238E27FC236}">
+                <a16:creationId xmlns:a16="http://schemas.microsoft.com/office/drawing/2014/main" id="{31761DC8-E1A4-1CE5-BD3E-F83FE8BF7E86}"/>
+              </a:ext>
+            </a:extLst>
+          </p:cNvPr>
+          <p:cNvSpPr txBox="1"/>
+          <p:nvPr/>
+        </p:nvSpPr>
+        <p:spPr>
+          <a:xfrm>
+            <a:off x="3340100" y="2565400"/>
+            <a:ext cx="6273800" cy="646331"/>
+          </a:xfrm>
+          <a:prstGeom prst="rect">
+            <a:avLst/>
+          </a:prstGeom>
+          <a:noFill/>
+        </p:spPr>
+        <p:txBody>
+          <a:bodyPr wrap="square" rtlCol="0">
+            <a:spAutoFit/>
+          </a:bodyPr>
+          <a:lstStyle/>
+          <a:p>
+            <a:r>
+              <a:rPr lang="en-US" dirty="0" err="1"/>
+              <a:t>Sdjkafklsdajfklsdajnkfldjl;ksajflkasj;dklfjcsldc</a:t>
+            </a:r>
+            <a:br>
+              <a:rPr lang="en-US" dirty="0"/>
+            </a:br>
+            <a:r>
+              <a:rPr lang="en-US" dirty="0" err="1"/>
+              <a:t>sdjfakdsjakfjsd;af</a:t>
+            </a:r>
+            <a:endParaRPr lang="en-US" dirty="0"/>
+          </a:p>
+        </p:txBody>
+      </p:sp>
+      <p:sp>
+        <p:nvSpPr>
+          <p:cNvPr id="32" name="Oval 31">
+            <a:extLst>
+              <a:ext uri="{FF2B5EF4-FFF2-40B4-BE49-F238E27FC236}">
+                <a16:creationId xmlns:a16="http://schemas.microsoft.com/office/drawing/2014/main" id="{428316D2-47C6-38C2-60C0-DEBF48B259B3}"/>
+              </a:ext>
+            </a:extLst>
+          </p:cNvPr>
+          <p:cNvSpPr/>
+          <p:nvPr/>
+        </p:nvSpPr>
+        <p:spPr>
+          <a:xfrm>
+            <a:off x="7456170" y="3785613"/>
+            <a:ext cx="1790616" cy="1079363"/>
+          </a:xfrm>
+          <a:prstGeom prst="ellipse">
+            <a:avLst/>
+          </a:prstGeom>
+          <a:noFill/>
+          <a:ln>
+            <a:solidFill>
+              <a:srgbClr val="FF0000"/>
+            </a:solidFill>
+          </a:ln>
+        </p:spPr>
+        <p:style>
+          <a:lnRef idx="2">
+            <a:schemeClr val="accent1">
+              <a:shade val="15000"/>
+            </a:schemeClr>
+          </a:lnRef>
+          <a:fillRef idx="1">
+            <a:schemeClr val="accent1"/>
+          </a:fillRef>
+          <a:effectRef idx="0">
+            <a:schemeClr val="accent1"/>
+          </a:effectRef>
+          <a:fontRef idx="minor">
+            <a:schemeClr val="lt1"/>
+          </a:fontRef>
+        </p:style>
+        <p:txBody>
+          <a:bodyPr rtlCol="0" anchor="ctr"/>
+          <a:lstStyle/>
+          <a:p>
+            <a:pPr algn="ctr"/>
+            <a:endParaRPr lang="en-US"/>
+          </a:p>
+        </p:txBody>
+      </p:sp>
+      <p:sp>
+        <p:nvSpPr>
+          <p:cNvPr id="33" name="Speech Bubble: Rectangle 32">
+            <a:extLst>
+              <a:ext uri="{FF2B5EF4-FFF2-40B4-BE49-F238E27FC236}">
+                <a16:creationId xmlns:a16="http://schemas.microsoft.com/office/drawing/2014/main" id="{56C42CD9-04A3-B9A6-59A0-2E6C9ADAE583}"/>
+              </a:ext>
+            </a:extLst>
+          </p:cNvPr>
+          <p:cNvSpPr/>
+          <p:nvPr/>
+        </p:nvSpPr>
+        <p:spPr>
+          <a:xfrm>
+            <a:off x="12674600" y="3785612"/>
+            <a:ext cx="2311400" cy="1079363"/>
+          </a:xfrm>
+          <a:prstGeom prst="wedgeRectCallout">
+            <a:avLst>
+              <a:gd name="adj1" fmla="val -200137"/>
+              <a:gd name="adj2" fmla="val -5660"/>
+            </a:avLst>
+          </a:prstGeom>
+          <a:solidFill>
+            <a:schemeClr val="bg1"/>
+          </a:solidFill>
+        </p:spPr>
+        <p:style>
+          <a:lnRef idx="2">
+            <a:schemeClr val="accent1">
+              <a:shade val="15000"/>
+            </a:schemeClr>
+          </a:lnRef>
+          <a:fillRef idx="1">
+            <a:schemeClr val="accent1"/>
+          </a:fillRef>
+          <a:effectRef idx="0">
+            <a:schemeClr val="accent1"/>
+          </a:effectRef>
+          <a:fontRef idx="minor">
+            <a:schemeClr val="lt1"/>
+          </a:fontRef>
+        </p:style>
+        <p:txBody>
+          <a:bodyPr rtlCol="0" anchor="ctr"/>
+          <a:lstStyle/>
+          <a:p>
+            <a:pPr algn="ctr"/>
+            <a:r>
+              <a:rPr lang="en-US" sz="1100" dirty="0">
+                <a:solidFill>
+                  <a:schemeClr val="tx1"/>
+                </a:solidFill>
+              </a:rPr>
+              <a:t>Notes:</a:t>
+            </a:r>
+          </a:p>
+          <a:p>
+            <a:pPr algn="ctr"/>
+            <a:r>
+              <a:rPr lang="en-US" sz="1100" dirty="0">
+                <a:solidFill>
+                  <a:schemeClr val="tx1"/>
+                </a:solidFill>
+              </a:rPr>
+              <a:t>Voice command auto search</a:t>
+            </a:r>
+          </a:p>
+          <a:p>
+            <a:pPr algn="ctr"/>
+            <a:r>
+              <a:rPr lang="en-US" sz="1100" dirty="0">
+                <a:solidFill>
+                  <a:schemeClr val="tx1"/>
+                </a:solidFill>
+              </a:rPr>
+              <a:t>Text command click on search</a:t>
+            </a:r>
+          </a:p>
+        </p:txBody>
+      </p:sp>
+      <p:sp>
+        <p:nvSpPr>
+          <p:cNvPr id="34" name="Speech Bubble: Rectangle 33">
+            <a:extLst>
+              <a:ext uri="{FF2B5EF4-FFF2-40B4-BE49-F238E27FC236}">
+                <a16:creationId xmlns:a16="http://schemas.microsoft.com/office/drawing/2014/main" id="{ACC23D89-769E-FE91-3753-9B1B49A0C369}"/>
+              </a:ext>
+            </a:extLst>
+          </p:cNvPr>
+          <p:cNvSpPr/>
+          <p:nvPr/>
+        </p:nvSpPr>
+        <p:spPr>
+          <a:xfrm>
+            <a:off x="-340360" y="3136573"/>
+            <a:ext cx="1676400" cy="1079363"/>
+          </a:xfrm>
+          <a:prstGeom prst="wedgeRectCallout">
+            <a:avLst>
+              <a:gd name="adj1" fmla="val 178268"/>
+              <a:gd name="adj2" fmla="val 47288"/>
+            </a:avLst>
+          </a:prstGeom>
+          <a:solidFill>
+            <a:schemeClr val="bg1"/>
+          </a:solidFill>
+        </p:spPr>
+        <p:style>
+          <a:lnRef idx="2">
+            <a:schemeClr val="accent1">
+              <a:shade val="15000"/>
+            </a:schemeClr>
+          </a:lnRef>
+          <a:fillRef idx="1">
+            <a:schemeClr val="accent1"/>
+          </a:fillRef>
+          <a:effectRef idx="0">
+            <a:schemeClr val="accent1"/>
+          </a:effectRef>
+          <a:fontRef idx="minor">
+            <a:schemeClr val="lt1"/>
+          </a:fontRef>
+        </p:style>
+        <p:txBody>
+          <a:bodyPr rtlCol="0" anchor="ctr"/>
+          <a:lstStyle/>
+          <a:p>
+            <a:pPr algn="ctr"/>
+            <a:r>
+              <a:rPr lang="en-US" sz="1100" dirty="0">
+                <a:solidFill>
+                  <a:schemeClr val="tx1"/>
+                </a:solidFill>
+              </a:rPr>
+              <a:t>Try to use a wake up command like “Alexa” “Hey Siri”</a:t>
+            </a:r>
+          </a:p>
+        </p:txBody>
+      </p:sp>
+    </p:spTree>
+    <p:extLst>
+      <p:ext uri="{BB962C8B-B14F-4D97-AF65-F5344CB8AC3E}">
+        <p14:creationId xmlns:p14="http://schemas.microsoft.com/office/powerpoint/2010/main" val="2953317449"/>
+      </p:ext>
+    </p:extLst>
+  </p:cSld>
+  <p:clrMapOvr>
+    <a:masterClrMapping/>
+  </p:clrMapOvr>
+</p:sld>
+</file>
+
+<file path=ppt/slides/slide3.xml><?xml version="1.0" encoding="utf-8"?>
+<p:sld xmlns:a="http://schemas.openxmlformats.org/drawingml/2006/main" xmlns:r="http://schemas.openxmlformats.org/officeDocument/2006/relationships" xmlns:p="http://schemas.openxmlformats.org/presentationml/2006/main">
+  <p:cSld>
+    <p:spTree>
+      <p:nvGrpSpPr>
+        <p:cNvPr id="1" name=""/>
+        <p:cNvGrpSpPr/>
+        <p:nvPr/>
+      </p:nvGrpSpPr>
+      <p:grpSpPr>
+        <a:xfrm>
+          <a:off x="0" y="0"/>
+          <a:ext cx="0" cy="0"/>
+          <a:chOff x="0" y="0"/>
+          <a:chExt cx="0" cy="0"/>
+        </a:xfrm>
+      </p:grpSpPr>
+      <p:pic>
+        <p:nvPicPr>
+          <p:cNvPr id="5" name="Picture 4">
+            <a:extLst>
+              <a:ext uri="{FF2B5EF4-FFF2-40B4-BE49-F238E27FC236}">
+                <a16:creationId xmlns:a16="http://schemas.microsoft.com/office/drawing/2014/main" id="{BAB2F4A9-4829-60E2-3897-33DB0941F153}"/>
+              </a:ext>
+            </a:extLst>
+          </p:cNvPr>
+          <p:cNvPicPr>
+            <a:picLocks noChangeAspect="1"/>
+          </p:cNvPicPr>
+          <p:nvPr/>
+        </p:nvPicPr>
+        <p:blipFill>
+          <a:blip r:embed="rId2"/>
+          <a:stretch>
+            <a:fillRect/>
+          </a:stretch>
+        </p:blipFill>
+        <p:spPr>
+          <a:xfrm>
+            <a:off x="426720" y="330835"/>
+            <a:ext cx="11155680" cy="628650"/>
+          </a:xfrm>
+          <a:prstGeom prst="rect">
+            <a:avLst/>
+          </a:prstGeom>
+        </p:spPr>
+      </p:pic>
+      <p:grpSp>
+        <p:nvGrpSpPr>
+          <p:cNvPr id="20" name="Group 19">
+            <a:extLst>
+              <a:ext uri="{FF2B5EF4-FFF2-40B4-BE49-F238E27FC236}">
+                <a16:creationId xmlns:a16="http://schemas.microsoft.com/office/drawing/2014/main" id="{57E2CF28-86E7-FF95-BD95-A6DE805E7612}"/>
+              </a:ext>
+            </a:extLst>
+          </p:cNvPr>
+          <p:cNvGrpSpPr/>
+          <p:nvPr/>
+        </p:nvGrpSpPr>
+        <p:grpSpPr>
+          <a:xfrm>
+            <a:off x="690880" y="1076959"/>
+            <a:ext cx="10952480" cy="3698241"/>
+            <a:chOff x="690880" y="1076959"/>
+            <a:chExt cx="10952480" cy="2275841"/>
+          </a:xfrm>
+        </p:grpSpPr>
+        <p:sp>
+          <p:nvSpPr>
+            <p:cNvPr id="6" name="Rectangle 5">
+              <a:extLst>
+                <a:ext uri="{FF2B5EF4-FFF2-40B4-BE49-F238E27FC236}">
+                  <a16:creationId xmlns:a16="http://schemas.microsoft.com/office/drawing/2014/main" id="{EBB0B359-E096-B1F3-0777-9FFC91165C40}"/>
+                </a:ext>
+              </a:extLst>
+            </p:cNvPr>
+            <p:cNvSpPr/>
+            <p:nvPr/>
+          </p:nvSpPr>
+          <p:spPr>
+            <a:xfrm>
+              <a:off x="690880" y="1076959"/>
+              <a:ext cx="10952480" cy="2275841"/>
+            </a:xfrm>
+            <a:prstGeom prst="rect">
+              <a:avLst/>
+            </a:prstGeom>
+            <a:gradFill flip="none" rotWithShape="1">
+              <a:gsLst>
+                <a:gs pos="0">
+                  <a:srgbClr val="EBCBB6"/>
+                </a:gs>
+                <a:gs pos="100000">
+                  <a:srgbClr val="FBF6F3"/>
+                </a:gs>
+              </a:gsLst>
+              <a:path path="circle">
+                <a:fillToRect l="100000" t="100000"/>
+              </a:path>
+              <a:tileRect r="-100000" b="-100000"/>
+            </a:gradFill>
+            <a:ln>
+              <a:noFill/>
+            </a:ln>
+          </p:spPr>
+          <p:style>
+            <a:lnRef idx="2">
+              <a:schemeClr val="accent1">
+                <a:shade val="15000"/>
+              </a:schemeClr>
+            </a:lnRef>
+            <a:fillRef idx="1">
+              <a:schemeClr val="accent1"/>
+            </a:fillRef>
+            <a:effectRef idx="0">
+              <a:schemeClr val="accent1"/>
+            </a:effectRef>
+            <a:fontRef idx="minor">
+              <a:schemeClr val="lt1"/>
+            </a:fontRef>
+          </p:style>
+          <p:txBody>
+            <a:bodyPr rtlCol="0" anchor="ctr"/>
+            <a:lstStyle/>
+            <a:p>
+              <a:pPr algn="ctr"/>
+              <a:endParaRPr lang="en-US" dirty="0"/>
+            </a:p>
+          </p:txBody>
+        </p:sp>
+        <p:sp>
+          <p:nvSpPr>
+            <p:cNvPr id="9" name="Rectangle: Rounded Corners 8">
+              <a:extLst>
+                <a:ext uri="{FF2B5EF4-FFF2-40B4-BE49-F238E27FC236}">
+                  <a16:creationId xmlns:a16="http://schemas.microsoft.com/office/drawing/2014/main" id="{54741418-5782-F630-F43C-EC8FA5A84ABC}"/>
+                </a:ext>
+              </a:extLst>
+            </p:cNvPr>
+            <p:cNvSpPr/>
+            <p:nvPr/>
+          </p:nvSpPr>
+          <p:spPr>
+            <a:xfrm>
+              <a:off x="2712720" y="1808480"/>
+              <a:ext cx="7294880" cy="868046"/>
+            </a:xfrm>
+            <a:prstGeom prst="roundRect">
+              <a:avLst/>
+            </a:prstGeom>
+            <a:solidFill>
+              <a:schemeClr val="bg1">
+                <a:lumMod val="95000"/>
+              </a:schemeClr>
+            </a:solidFill>
+            <a:ln>
+              <a:solidFill>
+                <a:schemeClr val="bg1">
+                  <a:lumMod val="65000"/>
+                </a:schemeClr>
+              </a:solidFill>
+            </a:ln>
+          </p:spPr>
+          <p:style>
+            <a:lnRef idx="2">
+              <a:schemeClr val="accent1">
+                <a:shade val="15000"/>
+              </a:schemeClr>
+            </a:lnRef>
+            <a:fillRef idx="1">
+              <a:schemeClr val="accent1"/>
+            </a:fillRef>
+            <a:effectRef idx="0">
+              <a:schemeClr val="accent1"/>
+            </a:effectRef>
+            <a:fontRef idx="minor">
+              <a:schemeClr val="lt1"/>
+            </a:fontRef>
+          </p:style>
+          <p:txBody>
+            <a:bodyPr rtlCol="0" anchor="ctr"/>
+            <a:lstStyle/>
+            <a:p>
+              <a:pPr algn="ctr"/>
+              <a:endParaRPr lang="en-US"/>
+            </a:p>
+          </p:txBody>
+        </p:sp>
+        <p:sp>
+          <p:nvSpPr>
+            <p:cNvPr id="10" name="Rectangle: Rounded Corners 9">
+              <a:extLst>
+                <a:ext uri="{FF2B5EF4-FFF2-40B4-BE49-F238E27FC236}">
+                  <a16:creationId xmlns:a16="http://schemas.microsoft.com/office/drawing/2014/main" id="{260B4153-244B-807A-A1FA-A21DBF5DA418}"/>
+                </a:ext>
+              </a:extLst>
+            </p:cNvPr>
+            <p:cNvSpPr/>
+            <p:nvPr/>
+          </p:nvSpPr>
+          <p:spPr>
+            <a:xfrm>
+              <a:off x="3454400" y="2828925"/>
+              <a:ext cx="1645920" cy="400050"/>
+            </a:xfrm>
+            <a:prstGeom prst="roundRect">
+              <a:avLst/>
+            </a:prstGeom>
+            <a:solidFill>
+              <a:schemeClr val="bg1">
+                <a:lumMod val="95000"/>
+              </a:schemeClr>
+            </a:solidFill>
+            <a:ln>
+              <a:solidFill>
+                <a:schemeClr val="bg1">
+                  <a:lumMod val="65000"/>
+                </a:schemeClr>
+              </a:solidFill>
+            </a:ln>
+          </p:spPr>
+          <p:style>
+            <a:lnRef idx="2">
+              <a:schemeClr val="accent1">
+                <a:shade val="15000"/>
+              </a:schemeClr>
+            </a:lnRef>
+            <a:fillRef idx="1">
+              <a:schemeClr val="accent1"/>
+            </a:fillRef>
+            <a:effectRef idx="0">
+              <a:schemeClr val="accent1"/>
+            </a:effectRef>
+            <a:fontRef idx="minor">
+              <a:schemeClr val="lt1"/>
+            </a:fontRef>
+          </p:style>
+          <p:txBody>
+            <a:bodyPr rtlCol="0" anchor="ctr"/>
+            <a:lstStyle/>
+            <a:p>
+              <a:pPr algn="ctr"/>
+              <a:r>
+                <a:rPr lang="en-US" dirty="0">
+                  <a:solidFill>
+                    <a:schemeClr val="tx1"/>
+                  </a:solidFill>
+                </a:rPr>
+                <a:t>Use your voice</a:t>
+              </a:r>
+            </a:p>
+          </p:txBody>
+        </p:sp>
+        <p:sp>
+          <p:nvSpPr>
+            <p:cNvPr id="11" name="Rectangle: Rounded Corners 10">
+              <a:extLst>
+                <a:ext uri="{FF2B5EF4-FFF2-40B4-BE49-F238E27FC236}">
+                  <a16:creationId xmlns:a16="http://schemas.microsoft.com/office/drawing/2014/main" id="{DB49ED66-E8EA-4244-ADE5-6C7D615ECC6D}"/>
+                </a:ext>
+              </a:extLst>
+            </p:cNvPr>
+            <p:cNvSpPr/>
+            <p:nvPr/>
+          </p:nvSpPr>
+          <p:spPr>
+            <a:xfrm>
+              <a:off x="5547360" y="2830195"/>
+              <a:ext cx="1645920" cy="400050"/>
+            </a:xfrm>
+            <a:prstGeom prst="roundRect">
+              <a:avLst/>
+            </a:prstGeom>
+            <a:solidFill>
+              <a:schemeClr val="bg1">
+                <a:lumMod val="95000"/>
+              </a:schemeClr>
+            </a:solidFill>
+            <a:ln>
+              <a:solidFill>
+                <a:schemeClr val="bg1">
+                  <a:lumMod val="65000"/>
+                </a:schemeClr>
+              </a:solidFill>
+            </a:ln>
+          </p:spPr>
+          <p:style>
+            <a:lnRef idx="2">
+              <a:schemeClr val="accent1">
+                <a:shade val="15000"/>
+              </a:schemeClr>
+            </a:lnRef>
+            <a:fillRef idx="1">
+              <a:schemeClr val="accent1"/>
+            </a:fillRef>
+            <a:effectRef idx="0">
+              <a:schemeClr val="accent1"/>
+            </a:effectRef>
+            <a:fontRef idx="minor">
+              <a:schemeClr val="lt1"/>
+            </a:fontRef>
+          </p:style>
+          <p:txBody>
+            <a:bodyPr rtlCol="0" anchor="ctr"/>
+            <a:lstStyle/>
+            <a:p>
+              <a:pPr algn="ctr"/>
+              <a:r>
+                <a:rPr lang="en-US" dirty="0">
+                  <a:solidFill>
+                    <a:schemeClr val="tx1"/>
+                  </a:solidFill>
+                </a:rPr>
+                <a:t>Clear</a:t>
+              </a:r>
+            </a:p>
+          </p:txBody>
+        </p:sp>
+        <p:sp>
+          <p:nvSpPr>
+            <p:cNvPr id="12" name="Rectangle: Rounded Corners 11">
+              <a:extLst>
+                <a:ext uri="{FF2B5EF4-FFF2-40B4-BE49-F238E27FC236}">
+                  <a16:creationId xmlns:a16="http://schemas.microsoft.com/office/drawing/2014/main" id="{6C4B2333-6743-E9AF-2936-FAA813F5283C}"/>
+                </a:ext>
+              </a:extLst>
+            </p:cNvPr>
+            <p:cNvSpPr/>
+            <p:nvPr/>
+          </p:nvSpPr>
+          <p:spPr>
+            <a:xfrm>
+              <a:off x="7548880" y="2828925"/>
+              <a:ext cx="1645920" cy="400050"/>
+            </a:xfrm>
+            <a:prstGeom prst="roundRect">
+              <a:avLst/>
+            </a:prstGeom>
+            <a:solidFill>
+              <a:schemeClr val="bg1">
+                <a:lumMod val="95000"/>
+              </a:schemeClr>
+            </a:solidFill>
+            <a:ln>
+              <a:solidFill>
+                <a:schemeClr val="bg1">
+                  <a:lumMod val="65000"/>
+                </a:schemeClr>
+              </a:solidFill>
+            </a:ln>
+          </p:spPr>
+          <p:style>
+            <a:lnRef idx="2">
+              <a:schemeClr val="accent1">
+                <a:shade val="15000"/>
+              </a:schemeClr>
+            </a:lnRef>
+            <a:fillRef idx="1">
+              <a:schemeClr val="accent1"/>
+            </a:fillRef>
+            <a:effectRef idx="0">
+              <a:schemeClr val="accent1"/>
+            </a:effectRef>
+            <a:fontRef idx="minor">
+              <a:schemeClr val="lt1"/>
+            </a:fontRef>
+          </p:style>
+          <p:txBody>
+            <a:bodyPr rtlCol="0" anchor="ctr"/>
+            <a:lstStyle/>
+            <a:p>
+              <a:pPr algn="ctr"/>
+              <a:r>
+                <a:rPr lang="en-US" dirty="0">
+                  <a:solidFill>
+                    <a:schemeClr val="tx1"/>
+                  </a:solidFill>
+                </a:rPr>
+                <a:t>Search</a:t>
+              </a:r>
+            </a:p>
+          </p:txBody>
+        </p:sp>
+        <p:sp>
+          <p:nvSpPr>
+            <p:cNvPr id="13" name="TextBox 12">
+              <a:extLst>
+                <a:ext uri="{FF2B5EF4-FFF2-40B4-BE49-F238E27FC236}">
+                  <a16:creationId xmlns:a16="http://schemas.microsoft.com/office/drawing/2014/main" id="{B7B0902B-CB8A-13DD-39B5-B1200E70CCA7}"/>
+                </a:ext>
+              </a:extLst>
+            </p:cNvPr>
+            <p:cNvSpPr txBox="1"/>
+            <p:nvPr/>
+          </p:nvSpPr>
+          <p:spPr>
+            <a:xfrm>
+              <a:off x="2712720" y="1310640"/>
+              <a:ext cx="7162800" cy="400110"/>
+            </a:xfrm>
+            <a:prstGeom prst="rect">
+              <a:avLst/>
+            </a:prstGeom>
+            <a:noFill/>
+          </p:spPr>
+          <p:txBody>
+            <a:bodyPr wrap="square" rtlCol="0">
+              <a:spAutoFit/>
+            </a:bodyPr>
+            <a:lstStyle/>
+            <a:p>
+              <a:pPr algn="ctr"/>
+              <a:r>
+                <a:rPr lang="en-US" sz="2000" b="1" dirty="0"/>
+                <a:t>Find recipes from your favorite meals</a:t>
+              </a:r>
+            </a:p>
+          </p:txBody>
+        </p:sp>
+      </p:grpSp>
+      <p:sp>
+        <p:nvSpPr>
+          <p:cNvPr id="14" name="Rectangle: Rounded Corners 13">
+            <a:extLst>
+              <a:ext uri="{FF2B5EF4-FFF2-40B4-BE49-F238E27FC236}">
+                <a16:creationId xmlns:a16="http://schemas.microsoft.com/office/drawing/2014/main" id="{AD9B2BA3-7413-F25F-AFED-4E8F5C647E8D}"/>
+              </a:ext>
+            </a:extLst>
+          </p:cNvPr>
+          <p:cNvSpPr/>
+          <p:nvPr/>
+        </p:nvSpPr>
+        <p:spPr>
+          <a:xfrm>
+            <a:off x="2171232" y="545317"/>
+            <a:ext cx="1283168" cy="217549"/>
+          </a:xfrm>
+          <a:prstGeom prst="roundRect">
+            <a:avLst/>
+          </a:prstGeom>
+          <a:solidFill>
+            <a:schemeClr val="bg1">
+              <a:lumMod val="95000"/>
+            </a:schemeClr>
+          </a:solidFill>
+          <a:ln>
+            <a:solidFill>
+              <a:srgbClr val="F8F9FA"/>
+            </a:solidFill>
+          </a:ln>
+        </p:spPr>
+        <p:style>
+          <a:lnRef idx="2">
+            <a:schemeClr val="accent1">
+              <a:shade val="15000"/>
+            </a:schemeClr>
+          </a:lnRef>
+          <a:fillRef idx="1">
+            <a:schemeClr val="accent1"/>
+          </a:fillRef>
+          <a:effectRef idx="0">
+            <a:schemeClr val="accent1"/>
+          </a:effectRef>
+          <a:fontRef idx="minor">
+            <a:schemeClr val="lt1"/>
+          </a:fontRef>
+        </p:style>
+        <p:txBody>
+          <a:bodyPr rtlCol="0" anchor="ctr"/>
+          <a:lstStyle/>
+          <a:p>
+            <a:pPr algn="ctr"/>
+            <a:r>
+              <a:rPr lang="en-US" sz="1100" dirty="0">
+                <a:solidFill>
+                  <a:schemeClr val="tx1"/>
+                </a:solidFill>
+              </a:rPr>
+              <a:t>Previous Searches</a:t>
+            </a:r>
+          </a:p>
+        </p:txBody>
+      </p:sp>
+      <p:sp>
+        <p:nvSpPr>
+          <p:cNvPr id="16" name="Rectangle: Rounded Corners 15">
+            <a:extLst>
+              <a:ext uri="{FF2B5EF4-FFF2-40B4-BE49-F238E27FC236}">
+                <a16:creationId xmlns:a16="http://schemas.microsoft.com/office/drawing/2014/main" id="{44D36D32-A6B8-FC5A-26FC-419DEE3D24B2}"/>
+              </a:ext>
+            </a:extLst>
+          </p:cNvPr>
+          <p:cNvSpPr/>
+          <p:nvPr/>
+        </p:nvSpPr>
+        <p:spPr>
+          <a:xfrm>
+            <a:off x="3465035" y="501208"/>
+            <a:ext cx="1082975" cy="301285"/>
+          </a:xfrm>
+          <a:prstGeom prst="roundRect">
+            <a:avLst/>
+          </a:prstGeom>
+          <a:solidFill>
+            <a:schemeClr val="bg1">
+              <a:lumMod val="95000"/>
+            </a:schemeClr>
+          </a:solidFill>
+          <a:ln>
+            <a:solidFill>
+              <a:srgbClr val="F8F9FA"/>
+            </a:solidFill>
+          </a:ln>
+        </p:spPr>
+        <p:style>
+          <a:lnRef idx="2">
+            <a:schemeClr val="accent1">
+              <a:shade val="15000"/>
+            </a:schemeClr>
+          </a:lnRef>
+          <a:fillRef idx="1">
+            <a:schemeClr val="accent1"/>
+          </a:fillRef>
+          <a:effectRef idx="0">
+            <a:schemeClr val="accent1"/>
+          </a:effectRef>
+          <a:fontRef idx="minor">
+            <a:schemeClr val="lt1"/>
+          </a:fontRef>
+        </p:style>
+        <p:txBody>
+          <a:bodyPr rtlCol="0" anchor="ctr"/>
+          <a:lstStyle/>
+          <a:p>
+            <a:pPr algn="ctr"/>
+            <a:r>
+              <a:rPr lang="en-US" sz="1100" dirty="0">
+                <a:solidFill>
+                  <a:schemeClr val="tx1"/>
+                </a:solidFill>
+              </a:rPr>
+              <a:t>Explore More</a:t>
+            </a:r>
+          </a:p>
+        </p:txBody>
+      </p:sp>
+      <p:sp>
+        <p:nvSpPr>
+          <p:cNvPr id="17" name="Rectangle: Rounded Corners 16">
+            <a:extLst>
+              <a:ext uri="{FF2B5EF4-FFF2-40B4-BE49-F238E27FC236}">
+                <a16:creationId xmlns:a16="http://schemas.microsoft.com/office/drawing/2014/main" id="{F283F8B0-FC7F-C350-E8D2-BA879FE114C9}"/>
+              </a:ext>
+            </a:extLst>
+          </p:cNvPr>
+          <p:cNvSpPr/>
+          <p:nvPr/>
+        </p:nvSpPr>
+        <p:spPr>
+          <a:xfrm>
+            <a:off x="757489" y="485626"/>
+            <a:ext cx="912561" cy="301285"/>
+          </a:xfrm>
+          <a:prstGeom prst="roundRect">
+            <a:avLst/>
+          </a:prstGeom>
+          <a:solidFill>
+            <a:schemeClr val="bg1">
+              <a:lumMod val="95000"/>
+            </a:schemeClr>
+          </a:solidFill>
+          <a:ln>
+            <a:solidFill>
+              <a:srgbClr val="F8F9FA"/>
+            </a:solidFill>
+          </a:ln>
+        </p:spPr>
+        <p:style>
+          <a:lnRef idx="2">
+            <a:schemeClr val="accent1">
+              <a:shade val="15000"/>
+            </a:schemeClr>
+          </a:lnRef>
+          <a:fillRef idx="1">
+            <a:schemeClr val="accent1"/>
+          </a:fillRef>
+          <a:effectRef idx="0">
+            <a:schemeClr val="accent1"/>
+          </a:effectRef>
+          <a:fontRef idx="minor">
+            <a:schemeClr val="lt1"/>
+          </a:fontRef>
+        </p:style>
+        <p:txBody>
+          <a:bodyPr rtlCol="0" anchor="ctr"/>
+          <a:lstStyle/>
+          <a:p>
+            <a:pPr algn="ctr"/>
+            <a:r>
+              <a:rPr lang="en-US" sz="1200" b="1" dirty="0">
+                <a:solidFill>
+                  <a:schemeClr val="tx1"/>
+                </a:solidFill>
+                <a:latin typeface="Curlz MT" panose="04040404050702020202" pitchFamily="82" charset="0"/>
+              </a:rPr>
+              <a:t>Our Cool Name</a:t>
+            </a:r>
+          </a:p>
+        </p:txBody>
+      </p:sp>
+      <p:grpSp>
+        <p:nvGrpSpPr>
+          <p:cNvPr id="22" name="Group 21">
+            <a:extLst>
+              <a:ext uri="{FF2B5EF4-FFF2-40B4-BE49-F238E27FC236}">
+                <a16:creationId xmlns:a16="http://schemas.microsoft.com/office/drawing/2014/main" id="{46A68247-A3B3-39C2-D4CC-AB67ED484856}"/>
+              </a:ext>
+            </a:extLst>
+          </p:cNvPr>
+          <p:cNvGrpSpPr/>
+          <p:nvPr/>
+        </p:nvGrpSpPr>
+        <p:grpSpPr>
+          <a:xfrm>
+            <a:off x="757489" y="5222604"/>
+            <a:ext cx="10931224" cy="944277"/>
+            <a:chOff x="682324" y="3061199"/>
+            <a:chExt cx="8095916" cy="944277"/>
+          </a:xfrm>
+        </p:grpSpPr>
+        <p:sp>
+          <p:nvSpPr>
+            <p:cNvPr id="23" name="TextBox 22">
+              <a:extLst>
+                <a:ext uri="{FF2B5EF4-FFF2-40B4-BE49-F238E27FC236}">
+                  <a16:creationId xmlns:a16="http://schemas.microsoft.com/office/drawing/2014/main" id="{E774A40F-B5C6-0ED8-0CA1-6C6918F218C4}"/>
+                </a:ext>
+              </a:extLst>
+            </p:cNvPr>
+            <p:cNvSpPr txBox="1"/>
+            <p:nvPr/>
+          </p:nvSpPr>
+          <p:spPr>
+            <a:xfrm>
+              <a:off x="682324" y="3061199"/>
+              <a:ext cx="8095916" cy="923330"/>
+            </a:xfrm>
+            <a:prstGeom prst="rect">
+              <a:avLst/>
+            </a:prstGeom>
+          </p:spPr>
+          <p:style>
+            <a:lnRef idx="2">
+              <a:schemeClr val="accent2"/>
+            </a:lnRef>
+            <a:fillRef idx="1">
+              <a:schemeClr val="lt1"/>
+            </a:fillRef>
+            <a:effectRef idx="0">
+              <a:schemeClr val="accent2"/>
+            </a:effectRef>
+            <a:fontRef idx="minor">
+              <a:schemeClr val="dk1"/>
+            </a:fontRef>
+          </p:style>
+          <p:txBody>
+            <a:bodyPr wrap="square" numCol="3" rtlCol="0">
+              <a:spAutoFit/>
+            </a:bodyPr>
+            <a:lstStyle/>
+            <a:p>
+              <a:r>
+                <a:rPr lang="en-US" b="1" dirty="0"/>
+                <a:t>Results 10 Searches:</a:t>
+              </a:r>
+            </a:p>
+            <a:p>
+              <a:pPr marL="285750" indent="-285750">
+                <a:buFont typeface="Arial" panose="020B0604020202020204" pitchFamily="34" charset="0"/>
+                <a:buChar char="•"/>
+              </a:pPr>
+              <a:r>
+                <a:rPr lang="en-US" u="sng" dirty="0"/>
+                <a:t>Recipe 1</a:t>
+              </a:r>
+            </a:p>
+            <a:p>
+              <a:pPr marL="285750" indent="-285750">
+                <a:buFont typeface="Arial" panose="020B0604020202020204" pitchFamily="34" charset="0"/>
+                <a:buChar char="•"/>
+              </a:pPr>
+              <a:r>
+                <a:rPr lang="en-US" u="sng" dirty="0"/>
+                <a:t>Recipe 2</a:t>
+              </a:r>
+            </a:p>
+          </p:txBody>
+        </p:sp>
+        <p:sp>
+          <p:nvSpPr>
+            <p:cNvPr id="24" name="TextBox 23">
+              <a:extLst>
+                <a:ext uri="{FF2B5EF4-FFF2-40B4-BE49-F238E27FC236}">
+                  <a16:creationId xmlns:a16="http://schemas.microsoft.com/office/drawing/2014/main" id="{D0973947-A0EF-B8DC-082B-F7C21B491FA3}"/>
+                </a:ext>
+              </a:extLst>
+            </p:cNvPr>
+            <p:cNvSpPr txBox="1"/>
+            <p:nvPr/>
+          </p:nvSpPr>
+          <p:spPr>
+            <a:xfrm>
+              <a:off x="2210602" y="3359145"/>
+              <a:ext cx="1535898" cy="646331"/>
+            </a:xfrm>
+            <a:prstGeom prst="rect">
+              <a:avLst/>
+            </a:prstGeom>
+            <a:noFill/>
+          </p:spPr>
+          <p:txBody>
+            <a:bodyPr wrap="square">
+              <a:spAutoFit/>
+            </a:bodyPr>
+            <a:lstStyle/>
+            <a:p>
+              <a:pPr marL="285750" indent="-285750">
+                <a:buFont typeface="Arial" panose="020B0604020202020204" pitchFamily="34" charset="0"/>
+                <a:buChar char="•"/>
+              </a:pPr>
+              <a:r>
+                <a:rPr lang="en-US" u="sng" dirty="0"/>
+                <a:t>Recipe 1</a:t>
+              </a:r>
+            </a:p>
+            <a:p>
+              <a:pPr marL="285750" indent="-285750">
+                <a:buFont typeface="Arial" panose="020B0604020202020204" pitchFamily="34" charset="0"/>
+                <a:buChar char="•"/>
+              </a:pPr>
+              <a:r>
+                <a:rPr lang="en-US" u="sng" dirty="0"/>
+                <a:t>Recipe 2</a:t>
+              </a:r>
+            </a:p>
+          </p:txBody>
+        </p:sp>
+        <p:sp>
+          <p:nvSpPr>
+            <p:cNvPr id="25" name="TextBox 24">
+              <a:extLst>
+                <a:ext uri="{FF2B5EF4-FFF2-40B4-BE49-F238E27FC236}">
+                  <a16:creationId xmlns:a16="http://schemas.microsoft.com/office/drawing/2014/main" id="{108FBE25-A837-6597-EE94-629F1F2EC56F}"/>
+                </a:ext>
+              </a:extLst>
+            </p:cNvPr>
+            <p:cNvSpPr txBox="1"/>
+            <p:nvPr/>
+          </p:nvSpPr>
+          <p:spPr>
+            <a:xfrm>
+              <a:off x="3738880" y="3353112"/>
+              <a:ext cx="1535898" cy="646331"/>
+            </a:xfrm>
+            <a:prstGeom prst="rect">
+              <a:avLst/>
+            </a:prstGeom>
+            <a:noFill/>
+          </p:spPr>
+          <p:txBody>
+            <a:bodyPr wrap="square">
+              <a:spAutoFit/>
+            </a:bodyPr>
+            <a:lstStyle/>
+            <a:p>
+              <a:pPr marL="285750" indent="-285750">
+                <a:buFont typeface="Arial" panose="020B0604020202020204" pitchFamily="34" charset="0"/>
+                <a:buChar char="•"/>
+              </a:pPr>
+              <a:r>
+                <a:rPr lang="en-US" u="sng" dirty="0"/>
+                <a:t>Recipe 1</a:t>
+              </a:r>
+            </a:p>
+            <a:p>
+              <a:pPr marL="285750" indent="-285750">
+                <a:buFont typeface="Arial" panose="020B0604020202020204" pitchFamily="34" charset="0"/>
+                <a:buChar char="•"/>
+              </a:pPr>
+              <a:r>
+                <a:rPr lang="en-US" u="sng" dirty="0"/>
+                <a:t>Recipe 2</a:t>
+              </a:r>
+            </a:p>
+          </p:txBody>
+        </p:sp>
+        <p:sp>
+          <p:nvSpPr>
+            <p:cNvPr id="26" name="TextBox 25">
+              <a:extLst>
+                <a:ext uri="{FF2B5EF4-FFF2-40B4-BE49-F238E27FC236}">
+                  <a16:creationId xmlns:a16="http://schemas.microsoft.com/office/drawing/2014/main" id="{7F3C5DF1-8A2D-AFBA-1934-F02E792393FC}"/>
+                </a:ext>
+              </a:extLst>
+            </p:cNvPr>
+            <p:cNvSpPr txBox="1"/>
+            <p:nvPr/>
+          </p:nvSpPr>
+          <p:spPr>
+            <a:xfrm>
+              <a:off x="5328051" y="3353112"/>
+              <a:ext cx="1535898" cy="646331"/>
+            </a:xfrm>
+            <a:prstGeom prst="rect">
+              <a:avLst/>
+            </a:prstGeom>
+            <a:noFill/>
+          </p:spPr>
+          <p:txBody>
+            <a:bodyPr wrap="square">
+              <a:spAutoFit/>
+            </a:bodyPr>
+            <a:lstStyle/>
+            <a:p>
+              <a:pPr marL="285750" indent="-285750">
+                <a:buFont typeface="Arial" panose="020B0604020202020204" pitchFamily="34" charset="0"/>
+                <a:buChar char="•"/>
+              </a:pPr>
+              <a:r>
+                <a:rPr lang="en-US" u="sng" dirty="0"/>
+                <a:t>Recipe 1</a:t>
+              </a:r>
+            </a:p>
+            <a:p>
+              <a:pPr marL="285750" indent="-285750">
+                <a:buFont typeface="Arial" panose="020B0604020202020204" pitchFamily="34" charset="0"/>
+                <a:buChar char="•"/>
+              </a:pPr>
+              <a:r>
+                <a:rPr lang="en-US" u="sng" dirty="0"/>
+                <a:t>Recipe 2</a:t>
+              </a:r>
+            </a:p>
+          </p:txBody>
+        </p:sp>
+        <p:sp>
+          <p:nvSpPr>
+            <p:cNvPr id="27" name="TextBox 26">
+              <a:extLst>
+                <a:ext uri="{FF2B5EF4-FFF2-40B4-BE49-F238E27FC236}">
+                  <a16:creationId xmlns:a16="http://schemas.microsoft.com/office/drawing/2014/main" id="{26F1B263-5BCD-A297-EB70-E89A065EC36A}"/>
+                </a:ext>
+              </a:extLst>
+            </p:cNvPr>
+            <p:cNvSpPr txBox="1"/>
+            <p:nvPr/>
+          </p:nvSpPr>
+          <p:spPr>
+            <a:xfrm>
+              <a:off x="6969693" y="3353112"/>
+              <a:ext cx="1535898" cy="646331"/>
+            </a:xfrm>
+            <a:prstGeom prst="rect">
+              <a:avLst/>
+            </a:prstGeom>
+            <a:noFill/>
+          </p:spPr>
+          <p:txBody>
+            <a:bodyPr wrap="square">
+              <a:spAutoFit/>
+            </a:bodyPr>
+            <a:lstStyle/>
+            <a:p>
+              <a:pPr marL="285750" indent="-285750">
+                <a:buFont typeface="Arial" panose="020B0604020202020204" pitchFamily="34" charset="0"/>
+                <a:buChar char="•"/>
+              </a:pPr>
+              <a:r>
+                <a:rPr lang="en-US" u="sng" dirty="0"/>
+                <a:t>Recipe 1</a:t>
+              </a:r>
+            </a:p>
+            <a:p>
+              <a:pPr marL="285750" indent="-285750">
+                <a:buFont typeface="Arial" panose="020B0604020202020204" pitchFamily="34" charset="0"/>
+                <a:buChar char="•"/>
+              </a:pPr>
+              <a:r>
+                <a:rPr lang="en-US" u="sng" dirty="0"/>
+                <a:t>Recipe 2</a:t>
+              </a:r>
+            </a:p>
+          </p:txBody>
+        </p:sp>
+      </p:grpSp>
+      <p:grpSp>
+        <p:nvGrpSpPr>
+          <p:cNvPr id="33" name="Group 32">
+            <a:extLst>
+              <a:ext uri="{FF2B5EF4-FFF2-40B4-BE49-F238E27FC236}">
+                <a16:creationId xmlns:a16="http://schemas.microsoft.com/office/drawing/2014/main" id="{EBA57A78-B2D0-CF38-74F3-342BEB1954E1}"/>
+              </a:ext>
+            </a:extLst>
+          </p:cNvPr>
+          <p:cNvGrpSpPr/>
+          <p:nvPr/>
+        </p:nvGrpSpPr>
+        <p:grpSpPr>
+          <a:xfrm>
+            <a:off x="871422" y="4062145"/>
+            <a:ext cx="6786882" cy="2525056"/>
+            <a:chOff x="857312" y="3316022"/>
+            <a:chExt cx="6786882" cy="2525056"/>
+          </a:xfrm>
+        </p:grpSpPr>
+        <p:sp>
+          <p:nvSpPr>
+            <p:cNvPr id="35" name="Oval 34">
+              <a:extLst>
+                <a:ext uri="{FF2B5EF4-FFF2-40B4-BE49-F238E27FC236}">
+                  <a16:creationId xmlns:a16="http://schemas.microsoft.com/office/drawing/2014/main" id="{0F03A73C-3A38-8CA8-0745-98242D76E35B}"/>
+                </a:ext>
+              </a:extLst>
+            </p:cNvPr>
+            <p:cNvSpPr/>
+            <p:nvPr/>
+          </p:nvSpPr>
+          <p:spPr>
+            <a:xfrm>
+              <a:off x="857312" y="4715213"/>
+              <a:ext cx="1308100" cy="369331"/>
+            </a:xfrm>
+            <a:prstGeom prst="ellipse">
+              <a:avLst/>
+            </a:prstGeom>
+            <a:noFill/>
+            <a:ln>
+              <a:solidFill>
+                <a:srgbClr val="FF0000"/>
+              </a:solidFill>
+            </a:ln>
+          </p:spPr>
+          <p:style>
+            <a:lnRef idx="2">
+              <a:schemeClr val="accent1">
+                <a:shade val="15000"/>
+              </a:schemeClr>
+            </a:lnRef>
+            <a:fillRef idx="1">
+              <a:schemeClr val="accent1"/>
+            </a:fillRef>
+            <a:effectRef idx="0">
+              <a:schemeClr val="accent1"/>
+            </a:effectRef>
+            <a:fontRef idx="minor">
+              <a:schemeClr val="lt1"/>
+            </a:fontRef>
+          </p:style>
+          <p:txBody>
+            <a:bodyPr rtlCol="0" anchor="ctr"/>
+            <a:lstStyle/>
+            <a:p>
+              <a:pPr algn="ctr"/>
+              <a:endParaRPr lang="en-US"/>
+            </a:p>
+          </p:txBody>
+        </p:sp>
+        <p:sp>
+          <p:nvSpPr>
+            <p:cNvPr id="36" name="Speech Bubble: Rectangle 35">
+              <a:extLst>
+                <a:ext uri="{FF2B5EF4-FFF2-40B4-BE49-F238E27FC236}">
+                  <a16:creationId xmlns:a16="http://schemas.microsoft.com/office/drawing/2014/main" id="{48847721-292E-C70B-DDDE-D8998110C5E8}"/>
+                </a:ext>
+              </a:extLst>
+            </p:cNvPr>
+            <p:cNvSpPr/>
+            <p:nvPr/>
+          </p:nvSpPr>
+          <p:spPr>
+            <a:xfrm>
+              <a:off x="4189590" y="3316022"/>
+              <a:ext cx="3454604" cy="2525056"/>
+            </a:xfrm>
+            <a:prstGeom prst="wedgeRectCallout">
+              <a:avLst>
+                <a:gd name="adj1" fmla="val -97574"/>
+                <a:gd name="adj2" fmla="val 13621"/>
+              </a:avLst>
+            </a:prstGeom>
+            <a:solidFill>
+              <a:schemeClr val="bg1"/>
+            </a:solidFill>
+            <a:ln>
+              <a:solidFill>
+                <a:srgbClr val="E1B191"/>
+              </a:solidFill>
+            </a:ln>
+            <a:effectLst>
+              <a:outerShdw blurRad="50800" dist="38100" dir="2700000" algn="tl" rotWithShape="0">
+                <a:prstClr val="black">
+                  <a:alpha val="40000"/>
+                </a:prstClr>
+              </a:outerShdw>
+            </a:effectLst>
+          </p:spPr>
+          <p:style>
+            <a:lnRef idx="2">
+              <a:schemeClr val="accent1">
+                <a:shade val="15000"/>
+              </a:schemeClr>
+            </a:lnRef>
+            <a:fillRef idx="1">
+              <a:schemeClr val="accent1"/>
+            </a:fillRef>
+            <a:effectRef idx="0">
+              <a:schemeClr val="accent1"/>
+            </a:effectRef>
+            <a:fontRef idx="minor">
+              <a:schemeClr val="lt1"/>
+            </a:fontRef>
+          </p:style>
+          <p:txBody>
+            <a:bodyPr rtlCol="0" anchor="ctr"/>
+            <a:lstStyle/>
+            <a:p>
+              <a:pPr algn="ctr"/>
+              <a:endParaRPr lang="en-US" dirty="0"/>
+            </a:p>
+          </p:txBody>
+        </p:sp>
+        <p:sp>
+          <p:nvSpPr>
+            <p:cNvPr id="37" name="TextBox 36">
+              <a:extLst>
+                <a:ext uri="{FF2B5EF4-FFF2-40B4-BE49-F238E27FC236}">
+                  <a16:creationId xmlns:a16="http://schemas.microsoft.com/office/drawing/2014/main" id="{F2A4A812-B33C-C20C-AEF2-7401762420D3}"/>
+                </a:ext>
+              </a:extLst>
+            </p:cNvPr>
+            <p:cNvSpPr txBox="1"/>
+            <p:nvPr/>
+          </p:nvSpPr>
+          <p:spPr>
+            <a:xfrm>
+              <a:off x="4533900" y="3468601"/>
+              <a:ext cx="2768600" cy="369332"/>
+            </a:xfrm>
+            <a:prstGeom prst="rect">
+              <a:avLst/>
+            </a:prstGeom>
+            <a:noFill/>
+          </p:spPr>
+          <p:txBody>
+            <a:bodyPr wrap="square" rtlCol="0">
+              <a:spAutoFit/>
+            </a:bodyPr>
+            <a:lstStyle/>
+            <a:p>
+              <a:pPr algn="ctr"/>
+              <a:r>
+                <a:rPr lang="en-US" b="1" dirty="0"/>
+                <a:t>[Title]</a:t>
+              </a:r>
+            </a:p>
+          </p:txBody>
+        </p:sp>
+        <p:sp>
+          <p:nvSpPr>
+            <p:cNvPr id="38" name="TextBox 37">
+              <a:extLst>
+                <a:ext uri="{FF2B5EF4-FFF2-40B4-BE49-F238E27FC236}">
+                  <a16:creationId xmlns:a16="http://schemas.microsoft.com/office/drawing/2014/main" id="{E5CF2ECD-D7C3-9939-BE82-76474446DE58}"/>
+                </a:ext>
+              </a:extLst>
+            </p:cNvPr>
+            <p:cNvSpPr txBox="1"/>
+            <p:nvPr/>
+          </p:nvSpPr>
+          <p:spPr>
+            <a:xfrm>
+              <a:off x="4533900" y="3949442"/>
+              <a:ext cx="2768600" cy="369332"/>
+            </a:xfrm>
+            <a:prstGeom prst="rect">
+              <a:avLst/>
+            </a:prstGeom>
+            <a:noFill/>
+          </p:spPr>
+          <p:txBody>
+            <a:bodyPr wrap="square" rtlCol="0">
+              <a:spAutoFit/>
+            </a:bodyPr>
+            <a:lstStyle/>
+            <a:p>
+              <a:pPr algn="ctr"/>
+              <a:r>
+                <a:rPr lang="en-US" dirty="0"/>
+                <a:t>[Ingredients]</a:t>
+              </a:r>
+            </a:p>
+          </p:txBody>
+        </p:sp>
+        <p:sp>
+          <p:nvSpPr>
+            <p:cNvPr id="39" name="TextBox 38">
+              <a:extLst>
+                <a:ext uri="{FF2B5EF4-FFF2-40B4-BE49-F238E27FC236}">
+                  <a16:creationId xmlns:a16="http://schemas.microsoft.com/office/drawing/2014/main" id="{DA7BC457-D771-0F9A-7CCE-07AFAA8B6313}"/>
+                </a:ext>
+              </a:extLst>
+            </p:cNvPr>
+            <p:cNvSpPr txBox="1"/>
+            <p:nvPr/>
+          </p:nvSpPr>
+          <p:spPr>
+            <a:xfrm>
+              <a:off x="6096000" y="5087979"/>
+              <a:ext cx="1299808" cy="369332"/>
+            </a:xfrm>
+            <a:prstGeom prst="rect">
+              <a:avLst/>
+            </a:prstGeom>
+            <a:noFill/>
+          </p:spPr>
+          <p:txBody>
+            <a:bodyPr wrap="square" rtlCol="0">
+              <a:spAutoFit/>
+            </a:bodyPr>
+            <a:lstStyle/>
+            <a:p>
+              <a:pPr algn="ctr"/>
+              <a:endParaRPr lang="en-US" dirty="0"/>
+            </a:p>
+          </p:txBody>
+        </p:sp>
+        <p:sp>
+          <p:nvSpPr>
+            <p:cNvPr id="40" name="TextBox 39">
+              <a:extLst>
+                <a:ext uri="{FF2B5EF4-FFF2-40B4-BE49-F238E27FC236}">
+                  <a16:creationId xmlns:a16="http://schemas.microsoft.com/office/drawing/2014/main" id="{343A37C7-6D87-41BF-F60B-D71B8CEAAB37}"/>
+                </a:ext>
+              </a:extLst>
+            </p:cNvPr>
+            <p:cNvSpPr txBox="1"/>
+            <p:nvPr/>
+          </p:nvSpPr>
+          <p:spPr>
+            <a:xfrm>
+              <a:off x="4300220" y="5093455"/>
+              <a:ext cx="1617980" cy="369332"/>
+            </a:xfrm>
+            <a:prstGeom prst="rect">
+              <a:avLst/>
+            </a:prstGeom>
+            <a:noFill/>
+          </p:spPr>
+          <p:txBody>
+            <a:bodyPr wrap="square" rtlCol="0">
+              <a:spAutoFit/>
+            </a:bodyPr>
+            <a:lstStyle/>
+            <a:p>
+              <a:pPr algn="ctr"/>
+              <a:endParaRPr lang="en-US" dirty="0"/>
+            </a:p>
+          </p:txBody>
+        </p:sp>
+      </p:grpSp>
+      <p:sp>
+        <p:nvSpPr>
+          <p:cNvPr id="42" name="Rectangle: Rounded Corners 41">
+            <a:extLst>
+              <a:ext uri="{FF2B5EF4-FFF2-40B4-BE49-F238E27FC236}">
+                <a16:creationId xmlns:a16="http://schemas.microsoft.com/office/drawing/2014/main" id="{FE7EA4C5-D980-0239-0EFC-97C3BD7CEBEA}"/>
+              </a:ext>
+            </a:extLst>
+          </p:cNvPr>
+          <p:cNvSpPr/>
+          <p:nvPr/>
+        </p:nvSpPr>
+        <p:spPr>
+          <a:xfrm>
+            <a:off x="6182694" y="5891013"/>
+            <a:ext cx="1308100" cy="317897"/>
+          </a:xfrm>
+          <a:prstGeom prst="roundRect">
+            <a:avLst/>
+          </a:prstGeom>
+          <a:solidFill>
+            <a:schemeClr val="bg1">
+              <a:lumMod val="95000"/>
+            </a:schemeClr>
+          </a:solidFill>
+          <a:ln>
+            <a:solidFill>
+              <a:schemeClr val="bg1">
+                <a:lumMod val="65000"/>
+              </a:schemeClr>
+            </a:solidFill>
+          </a:ln>
+        </p:spPr>
+        <p:style>
+          <a:lnRef idx="2">
+            <a:schemeClr val="accent1">
+              <a:shade val="15000"/>
+            </a:schemeClr>
+          </a:lnRef>
+          <a:fillRef idx="1">
+            <a:schemeClr val="accent1"/>
+          </a:fillRef>
+          <a:effectRef idx="0">
+            <a:schemeClr val="accent1"/>
+          </a:effectRef>
+          <a:fontRef idx="minor">
+            <a:schemeClr val="lt1"/>
+          </a:fontRef>
+        </p:style>
+        <p:txBody>
+          <a:bodyPr rtlCol="0" anchor="ctr"/>
+          <a:lstStyle/>
+          <a:p>
+            <a:pPr algn="ctr"/>
+            <a:r>
+              <a:rPr lang="en-US" dirty="0">
+                <a:solidFill>
+                  <a:schemeClr val="tx1"/>
+                </a:solidFill>
+              </a:rPr>
+              <a:t>See More</a:t>
+            </a:r>
+          </a:p>
+        </p:txBody>
+      </p:sp>
+      <p:sp>
+        <p:nvSpPr>
+          <p:cNvPr id="44" name="Oval 43">
+            <a:extLst>
+              <a:ext uri="{FF2B5EF4-FFF2-40B4-BE49-F238E27FC236}">
+                <a16:creationId xmlns:a16="http://schemas.microsoft.com/office/drawing/2014/main" id="{9557382F-3187-CFCB-AA63-4FE444115421}"/>
+              </a:ext>
+            </a:extLst>
+          </p:cNvPr>
+          <p:cNvSpPr/>
+          <p:nvPr/>
+        </p:nvSpPr>
+        <p:spPr>
+          <a:xfrm>
+            <a:off x="6160238" y="5867520"/>
+            <a:ext cx="1308100" cy="369331"/>
+          </a:xfrm>
+          <a:prstGeom prst="ellipse">
+            <a:avLst/>
+          </a:prstGeom>
+          <a:noFill/>
+          <a:ln>
+            <a:solidFill>
+              <a:srgbClr val="FF0000"/>
+            </a:solidFill>
+          </a:ln>
+        </p:spPr>
+        <p:style>
+          <a:lnRef idx="2">
+            <a:schemeClr val="accent1">
+              <a:shade val="15000"/>
+            </a:schemeClr>
+          </a:lnRef>
+          <a:fillRef idx="1">
+            <a:schemeClr val="accent1"/>
+          </a:fillRef>
+          <a:effectRef idx="0">
+            <a:schemeClr val="accent1"/>
+          </a:effectRef>
+          <a:fontRef idx="minor">
+            <a:schemeClr val="lt1"/>
+          </a:fontRef>
+        </p:style>
+        <p:txBody>
+          <a:bodyPr rtlCol="0" anchor="ctr"/>
+          <a:lstStyle/>
+          <a:p>
+            <a:pPr algn="ctr"/>
+            <a:endParaRPr lang="en-US"/>
+          </a:p>
+        </p:txBody>
+      </p:sp>
+      <p:sp>
+        <p:nvSpPr>
+          <p:cNvPr id="45" name="Rectangle: Rounded Corners 44">
+            <a:extLst>
+              <a:ext uri="{FF2B5EF4-FFF2-40B4-BE49-F238E27FC236}">
+                <a16:creationId xmlns:a16="http://schemas.microsoft.com/office/drawing/2014/main" id="{9AD9E561-4AE1-18F1-D7F1-4DB0E6F55E9B}"/>
+              </a:ext>
+            </a:extLst>
+          </p:cNvPr>
+          <p:cNvSpPr/>
+          <p:nvPr/>
+        </p:nvSpPr>
+        <p:spPr>
+          <a:xfrm>
+            <a:off x="4361690" y="5891012"/>
+            <a:ext cx="1617981" cy="317897"/>
+          </a:xfrm>
+          <a:prstGeom prst="roundRect">
+            <a:avLst/>
+          </a:prstGeom>
+          <a:solidFill>
+            <a:schemeClr val="bg1">
+              <a:lumMod val="95000"/>
+            </a:schemeClr>
+          </a:solidFill>
+          <a:ln>
+            <a:solidFill>
+              <a:schemeClr val="bg1">
+                <a:lumMod val="65000"/>
+              </a:schemeClr>
+            </a:solidFill>
+          </a:ln>
+        </p:spPr>
+        <p:style>
+          <a:lnRef idx="2">
+            <a:schemeClr val="accent1">
+              <a:shade val="15000"/>
+            </a:schemeClr>
+          </a:lnRef>
+          <a:fillRef idx="1">
+            <a:schemeClr val="accent1"/>
+          </a:fillRef>
+          <a:effectRef idx="0">
+            <a:schemeClr val="accent1"/>
+          </a:effectRef>
+          <a:fontRef idx="minor">
+            <a:schemeClr val="lt1"/>
+          </a:fontRef>
+        </p:style>
+        <p:txBody>
+          <a:bodyPr rtlCol="0" anchor="ctr"/>
+          <a:lstStyle/>
+          <a:p>
+            <a:pPr algn="ctr"/>
+            <a:r>
+              <a:rPr lang="en-US" dirty="0">
+                <a:solidFill>
+                  <a:schemeClr val="tx1"/>
+                </a:solidFill>
+              </a:rPr>
+              <a:t>Back to results</a:t>
+            </a:r>
+          </a:p>
+        </p:txBody>
+      </p:sp>
+      <p:pic>
+        <p:nvPicPr>
+          <p:cNvPr id="47" name="Picture 46">
+            <a:extLst>
+              <a:ext uri="{FF2B5EF4-FFF2-40B4-BE49-F238E27FC236}">
+                <a16:creationId xmlns:a16="http://schemas.microsoft.com/office/drawing/2014/main" id="{10766D73-7CA2-E0EF-AC6E-F42BA145696D}"/>
+              </a:ext>
+            </a:extLst>
+          </p:cNvPr>
+          <p:cNvPicPr>
+            <a:picLocks noChangeAspect="1"/>
+          </p:cNvPicPr>
+          <p:nvPr/>
+        </p:nvPicPr>
+        <p:blipFill rotWithShape="1">
+          <a:blip r:embed="rId2"/>
+          <a:srcRect l="52915" t="8960" r="33697" b="21208"/>
+          <a:stretch/>
+        </p:blipFill>
+        <p:spPr>
+          <a:xfrm>
+            <a:off x="8044180" y="416768"/>
+            <a:ext cx="3398520" cy="442732"/>
+          </a:xfrm>
+          <a:prstGeom prst="rect">
+            <a:avLst/>
+          </a:prstGeom>
+        </p:spPr>
+      </p:pic>
+    </p:spTree>
+    <p:extLst>
+      <p:ext uri="{BB962C8B-B14F-4D97-AF65-F5344CB8AC3E}">
+        <p14:creationId xmlns:p14="http://schemas.microsoft.com/office/powerpoint/2010/main" val="4043082102"/>
+      </p:ext>
+    </p:extLst>
+  </p:cSld>
+  <p:clrMapOvr>
+    <a:masterClrMapping/>
+  </p:clrMapOvr>
+</p:sld>
+</file>
+
+<file path=ppt/slides/slide4.xml><?xml version="1.0" encoding="utf-8"?>
+<p:sld xmlns:a="http://schemas.openxmlformats.org/drawingml/2006/main" xmlns:r="http://schemas.openxmlformats.org/officeDocument/2006/relationships" xmlns:p="http://schemas.openxmlformats.org/presentationml/2006/main">
+  <p:cSld>
+    <p:spTree>
+      <p:nvGrpSpPr>
+        <p:cNvPr id="1" name=""/>
+        <p:cNvGrpSpPr/>
+        <p:nvPr/>
+      </p:nvGrpSpPr>
+      <p:grpSpPr>
+        <a:xfrm>
+          <a:off x="0" y="0"/>
+          <a:ext cx="0" cy="0"/>
+          <a:chOff x="0" y="0"/>
+          <a:chExt cx="0" cy="0"/>
+        </a:xfrm>
+      </p:grpSpPr>
+      <p:pic>
+        <p:nvPicPr>
+          <p:cNvPr id="5" name="Picture 4">
+            <a:extLst>
+              <a:ext uri="{FF2B5EF4-FFF2-40B4-BE49-F238E27FC236}">
+                <a16:creationId xmlns:a16="http://schemas.microsoft.com/office/drawing/2014/main" id="{BAB2F4A9-4829-60E2-3897-33DB0941F153}"/>
+              </a:ext>
+            </a:extLst>
+          </p:cNvPr>
+          <p:cNvPicPr>
+            <a:picLocks noChangeAspect="1"/>
+          </p:cNvPicPr>
+          <p:nvPr/>
+        </p:nvPicPr>
+        <p:blipFill>
+          <a:blip r:embed="rId2"/>
+          <a:stretch>
+            <a:fillRect/>
+          </a:stretch>
+        </p:blipFill>
+        <p:spPr>
+          <a:xfrm>
+            <a:off x="426720" y="330835"/>
+            <a:ext cx="11155680" cy="628650"/>
+          </a:xfrm>
+          <a:prstGeom prst="rect">
+            <a:avLst/>
+          </a:prstGeom>
+        </p:spPr>
+      </p:pic>
+      <p:grpSp>
+        <p:nvGrpSpPr>
+          <p:cNvPr id="20" name="Group 19">
+            <a:extLst>
+              <a:ext uri="{FF2B5EF4-FFF2-40B4-BE49-F238E27FC236}">
+                <a16:creationId xmlns:a16="http://schemas.microsoft.com/office/drawing/2014/main" id="{57E2CF28-86E7-FF95-BD95-A6DE805E7612}"/>
+              </a:ext>
+            </a:extLst>
+          </p:cNvPr>
+          <p:cNvGrpSpPr/>
+          <p:nvPr/>
+        </p:nvGrpSpPr>
+        <p:grpSpPr>
+          <a:xfrm>
+            <a:off x="690880" y="1076959"/>
+            <a:ext cx="10952480" cy="1323341"/>
+            <a:chOff x="690880" y="1076959"/>
+            <a:chExt cx="10952480" cy="2275841"/>
+          </a:xfrm>
+        </p:grpSpPr>
+        <p:sp>
+          <p:nvSpPr>
+            <p:cNvPr id="6" name="Rectangle 5">
+              <a:extLst>
+                <a:ext uri="{FF2B5EF4-FFF2-40B4-BE49-F238E27FC236}">
+                  <a16:creationId xmlns:a16="http://schemas.microsoft.com/office/drawing/2014/main" id="{EBB0B359-E096-B1F3-0777-9FFC91165C40}"/>
+                </a:ext>
+              </a:extLst>
+            </p:cNvPr>
+            <p:cNvSpPr/>
+            <p:nvPr/>
+          </p:nvSpPr>
+          <p:spPr>
+            <a:xfrm>
+              <a:off x="690880" y="1076959"/>
+              <a:ext cx="10952480" cy="2275841"/>
+            </a:xfrm>
+            <a:prstGeom prst="rect">
+              <a:avLst/>
+            </a:prstGeom>
+            <a:gradFill flip="none" rotWithShape="1">
+              <a:gsLst>
+                <a:gs pos="0">
+                  <a:srgbClr val="EBCBB6"/>
+                </a:gs>
+                <a:gs pos="100000">
+                  <a:srgbClr val="FBF6F3"/>
+                </a:gs>
+              </a:gsLst>
+              <a:path path="circle">
+                <a:fillToRect l="100000" t="100000"/>
+              </a:path>
+              <a:tileRect r="-100000" b="-100000"/>
+            </a:gradFill>
+            <a:ln>
+              <a:noFill/>
+            </a:ln>
+          </p:spPr>
+          <p:style>
+            <a:lnRef idx="2">
+              <a:schemeClr val="accent1">
+                <a:shade val="15000"/>
+              </a:schemeClr>
+            </a:lnRef>
+            <a:fillRef idx="1">
+              <a:schemeClr val="accent1"/>
+            </a:fillRef>
+            <a:effectRef idx="0">
+              <a:schemeClr val="accent1"/>
+            </a:effectRef>
+            <a:fontRef idx="minor">
+              <a:schemeClr val="lt1"/>
+            </a:fontRef>
+          </p:style>
+          <p:txBody>
+            <a:bodyPr rtlCol="0" anchor="ctr"/>
+            <a:lstStyle/>
+            <a:p>
+              <a:pPr algn="ctr"/>
+              <a:endParaRPr lang="en-US" dirty="0"/>
+            </a:p>
+          </p:txBody>
+        </p:sp>
+        <p:sp>
+          <p:nvSpPr>
+            <p:cNvPr id="9" name="Rectangle: Rounded Corners 8">
+              <a:extLst>
+                <a:ext uri="{FF2B5EF4-FFF2-40B4-BE49-F238E27FC236}">
+                  <a16:creationId xmlns:a16="http://schemas.microsoft.com/office/drawing/2014/main" id="{54741418-5782-F630-F43C-EC8FA5A84ABC}"/>
+                </a:ext>
+              </a:extLst>
+            </p:cNvPr>
+            <p:cNvSpPr/>
+            <p:nvPr/>
+          </p:nvSpPr>
+          <p:spPr>
+            <a:xfrm>
+              <a:off x="2712720" y="2047800"/>
+              <a:ext cx="7294880" cy="628727"/>
+            </a:xfrm>
+            <a:prstGeom prst="roundRect">
+              <a:avLst/>
+            </a:prstGeom>
+            <a:solidFill>
+              <a:schemeClr val="bg1">
+                <a:lumMod val="95000"/>
+              </a:schemeClr>
+            </a:solidFill>
+            <a:ln>
+              <a:solidFill>
+                <a:schemeClr val="bg1">
+                  <a:lumMod val="65000"/>
+                </a:schemeClr>
+              </a:solidFill>
+            </a:ln>
+          </p:spPr>
+          <p:style>
+            <a:lnRef idx="2">
+              <a:schemeClr val="accent1">
+                <a:shade val="15000"/>
+              </a:schemeClr>
+            </a:lnRef>
+            <a:fillRef idx="1">
+              <a:schemeClr val="accent1"/>
+            </a:fillRef>
+            <a:effectRef idx="0">
+              <a:schemeClr val="accent1"/>
+            </a:effectRef>
+            <a:fontRef idx="minor">
+              <a:schemeClr val="lt1"/>
+            </a:fontRef>
+          </p:style>
+          <p:txBody>
+            <a:bodyPr rtlCol="0" anchor="ctr"/>
+            <a:lstStyle/>
+            <a:p>
+              <a:pPr algn="ctr"/>
+              <a:endParaRPr lang="en-US"/>
+            </a:p>
+          </p:txBody>
+        </p:sp>
+        <p:sp>
+          <p:nvSpPr>
+            <p:cNvPr id="10" name="Rectangle: Rounded Corners 9">
+              <a:extLst>
+                <a:ext uri="{FF2B5EF4-FFF2-40B4-BE49-F238E27FC236}">
+                  <a16:creationId xmlns:a16="http://schemas.microsoft.com/office/drawing/2014/main" id="{260B4153-244B-807A-A1FA-A21DBF5DA418}"/>
+                </a:ext>
+              </a:extLst>
+            </p:cNvPr>
+            <p:cNvSpPr/>
+            <p:nvPr/>
+          </p:nvSpPr>
+          <p:spPr>
+            <a:xfrm>
+              <a:off x="3454400" y="2828925"/>
+              <a:ext cx="1645920" cy="400050"/>
+            </a:xfrm>
+            <a:prstGeom prst="roundRect">
+              <a:avLst/>
+            </a:prstGeom>
+            <a:solidFill>
+              <a:schemeClr val="bg1">
+                <a:lumMod val="95000"/>
+              </a:schemeClr>
+            </a:solidFill>
+            <a:ln>
+              <a:solidFill>
+                <a:schemeClr val="bg1">
+                  <a:lumMod val="65000"/>
+                </a:schemeClr>
+              </a:solidFill>
+            </a:ln>
+          </p:spPr>
+          <p:style>
+            <a:lnRef idx="2">
+              <a:schemeClr val="accent1">
+                <a:shade val="15000"/>
+              </a:schemeClr>
+            </a:lnRef>
+            <a:fillRef idx="1">
+              <a:schemeClr val="accent1"/>
+            </a:fillRef>
+            <a:effectRef idx="0">
+              <a:schemeClr val="accent1"/>
+            </a:effectRef>
+            <a:fontRef idx="minor">
+              <a:schemeClr val="lt1"/>
+            </a:fontRef>
+          </p:style>
+          <p:txBody>
+            <a:bodyPr rtlCol="0" anchor="ctr"/>
+            <a:lstStyle/>
+            <a:p>
+              <a:pPr algn="ctr"/>
+              <a:r>
+                <a:rPr lang="en-US" dirty="0">
+                  <a:solidFill>
+                    <a:schemeClr val="tx1"/>
+                  </a:solidFill>
+                </a:rPr>
+                <a:t>Use your voice</a:t>
+              </a:r>
+            </a:p>
+          </p:txBody>
+        </p:sp>
+        <p:sp>
+          <p:nvSpPr>
+            <p:cNvPr id="11" name="Rectangle: Rounded Corners 10">
+              <a:extLst>
+                <a:ext uri="{FF2B5EF4-FFF2-40B4-BE49-F238E27FC236}">
+                  <a16:creationId xmlns:a16="http://schemas.microsoft.com/office/drawing/2014/main" id="{DB49ED66-E8EA-4244-ADE5-6C7D615ECC6D}"/>
+                </a:ext>
+              </a:extLst>
+            </p:cNvPr>
+            <p:cNvSpPr/>
+            <p:nvPr/>
+          </p:nvSpPr>
+          <p:spPr>
+            <a:xfrm>
+              <a:off x="5547360" y="2830195"/>
+              <a:ext cx="1645920" cy="400050"/>
+            </a:xfrm>
+            <a:prstGeom prst="roundRect">
+              <a:avLst/>
+            </a:prstGeom>
+            <a:solidFill>
+              <a:schemeClr val="bg1">
+                <a:lumMod val="95000"/>
+              </a:schemeClr>
+            </a:solidFill>
+            <a:ln>
+              <a:solidFill>
+                <a:schemeClr val="bg1">
+                  <a:lumMod val="65000"/>
+                </a:schemeClr>
+              </a:solidFill>
+            </a:ln>
+          </p:spPr>
+          <p:style>
+            <a:lnRef idx="2">
+              <a:schemeClr val="accent1">
+                <a:shade val="15000"/>
+              </a:schemeClr>
+            </a:lnRef>
+            <a:fillRef idx="1">
+              <a:schemeClr val="accent1"/>
+            </a:fillRef>
+            <a:effectRef idx="0">
+              <a:schemeClr val="accent1"/>
+            </a:effectRef>
+            <a:fontRef idx="minor">
+              <a:schemeClr val="lt1"/>
+            </a:fontRef>
+          </p:style>
+          <p:txBody>
+            <a:bodyPr rtlCol="0" anchor="ctr"/>
+            <a:lstStyle/>
+            <a:p>
+              <a:pPr algn="ctr"/>
+              <a:r>
+                <a:rPr lang="en-US" dirty="0">
+                  <a:solidFill>
+                    <a:schemeClr val="tx1"/>
+                  </a:solidFill>
+                </a:rPr>
+                <a:t>Clear</a:t>
+              </a:r>
+            </a:p>
+          </p:txBody>
+        </p:sp>
+        <p:sp>
+          <p:nvSpPr>
+            <p:cNvPr id="12" name="Rectangle: Rounded Corners 11">
+              <a:extLst>
+                <a:ext uri="{FF2B5EF4-FFF2-40B4-BE49-F238E27FC236}">
+                  <a16:creationId xmlns:a16="http://schemas.microsoft.com/office/drawing/2014/main" id="{6C4B2333-6743-E9AF-2936-FAA813F5283C}"/>
+                </a:ext>
+              </a:extLst>
+            </p:cNvPr>
+            <p:cNvSpPr/>
+            <p:nvPr/>
+          </p:nvSpPr>
+          <p:spPr>
+            <a:xfrm>
+              <a:off x="7548880" y="2828925"/>
+              <a:ext cx="1645920" cy="400050"/>
+            </a:xfrm>
+            <a:prstGeom prst="roundRect">
+              <a:avLst/>
+            </a:prstGeom>
+            <a:solidFill>
+              <a:schemeClr val="bg1">
+                <a:lumMod val="95000"/>
+              </a:schemeClr>
+            </a:solidFill>
+            <a:ln>
+              <a:solidFill>
+                <a:schemeClr val="bg1">
+                  <a:lumMod val="65000"/>
+                </a:schemeClr>
+              </a:solidFill>
+            </a:ln>
+          </p:spPr>
+          <p:style>
+            <a:lnRef idx="2">
+              <a:schemeClr val="accent1">
+                <a:shade val="15000"/>
+              </a:schemeClr>
+            </a:lnRef>
+            <a:fillRef idx="1">
+              <a:schemeClr val="accent1"/>
+            </a:fillRef>
+            <a:effectRef idx="0">
+              <a:schemeClr val="accent1"/>
+            </a:effectRef>
+            <a:fontRef idx="minor">
+              <a:schemeClr val="lt1"/>
+            </a:fontRef>
+          </p:style>
+          <p:txBody>
+            <a:bodyPr rtlCol="0" anchor="ctr"/>
+            <a:lstStyle/>
+            <a:p>
+              <a:pPr algn="ctr"/>
+              <a:r>
+                <a:rPr lang="en-US" dirty="0">
+                  <a:solidFill>
+                    <a:schemeClr val="tx1"/>
+                  </a:solidFill>
+                </a:rPr>
+                <a:t>Search</a:t>
+              </a:r>
+            </a:p>
+          </p:txBody>
+        </p:sp>
+        <p:sp>
+          <p:nvSpPr>
+            <p:cNvPr id="13" name="TextBox 12">
+              <a:extLst>
+                <a:ext uri="{FF2B5EF4-FFF2-40B4-BE49-F238E27FC236}">
+                  <a16:creationId xmlns:a16="http://schemas.microsoft.com/office/drawing/2014/main" id="{B7B0902B-CB8A-13DD-39B5-B1200E70CCA7}"/>
+                </a:ext>
+              </a:extLst>
+            </p:cNvPr>
+            <p:cNvSpPr txBox="1"/>
+            <p:nvPr/>
+          </p:nvSpPr>
+          <p:spPr>
+            <a:xfrm>
+              <a:off x="2712720" y="1310640"/>
+              <a:ext cx="7162800" cy="400110"/>
+            </a:xfrm>
+            <a:prstGeom prst="rect">
+              <a:avLst/>
+            </a:prstGeom>
+            <a:noFill/>
+          </p:spPr>
+          <p:txBody>
+            <a:bodyPr wrap="square" rtlCol="0">
+              <a:spAutoFit/>
+            </a:bodyPr>
+            <a:lstStyle/>
+            <a:p>
+              <a:pPr algn="ctr"/>
+              <a:r>
+                <a:rPr lang="en-US" sz="2000" b="1" dirty="0"/>
+                <a:t>Find recipes from your favorite meals</a:t>
+              </a:r>
+            </a:p>
+          </p:txBody>
+        </p:sp>
+      </p:grpSp>
+      <p:sp>
+        <p:nvSpPr>
+          <p:cNvPr id="16" name="Rectangle: Rounded Corners 15">
+            <a:extLst>
+              <a:ext uri="{FF2B5EF4-FFF2-40B4-BE49-F238E27FC236}">
+                <a16:creationId xmlns:a16="http://schemas.microsoft.com/office/drawing/2014/main" id="{44D36D32-A6B8-FC5A-26FC-419DEE3D24B2}"/>
+              </a:ext>
+            </a:extLst>
+          </p:cNvPr>
+          <p:cNvSpPr/>
+          <p:nvPr/>
+        </p:nvSpPr>
+        <p:spPr>
+          <a:xfrm>
+            <a:off x="3454400" y="522943"/>
+            <a:ext cx="1082975" cy="301285"/>
+          </a:xfrm>
+          <a:prstGeom prst="roundRect">
+            <a:avLst/>
+          </a:prstGeom>
+          <a:solidFill>
+            <a:schemeClr val="bg1">
+              <a:lumMod val="95000"/>
+            </a:schemeClr>
+          </a:solidFill>
+          <a:ln>
+            <a:solidFill>
+              <a:srgbClr val="F8F9FA"/>
+            </a:solidFill>
+          </a:ln>
+        </p:spPr>
+        <p:style>
+          <a:lnRef idx="2">
+            <a:schemeClr val="accent1">
+              <a:shade val="15000"/>
+            </a:schemeClr>
+          </a:lnRef>
+          <a:fillRef idx="1">
+            <a:schemeClr val="accent1"/>
+          </a:fillRef>
+          <a:effectRef idx="0">
+            <a:schemeClr val="accent1"/>
+          </a:effectRef>
+          <a:fontRef idx="minor">
+            <a:schemeClr val="lt1"/>
+          </a:fontRef>
+        </p:style>
+        <p:txBody>
+          <a:bodyPr rtlCol="0" anchor="ctr"/>
+          <a:lstStyle/>
+          <a:p>
+            <a:pPr algn="ctr"/>
+            <a:r>
+              <a:rPr lang="en-US" sz="1100" dirty="0">
+                <a:solidFill>
+                  <a:schemeClr val="tx1"/>
+                </a:solidFill>
+              </a:rPr>
+              <a:t>Explore More</a:t>
+            </a:r>
+          </a:p>
+        </p:txBody>
+      </p:sp>
+      <p:sp>
+        <p:nvSpPr>
+          <p:cNvPr id="17" name="Rectangle: Rounded Corners 16">
+            <a:extLst>
+              <a:ext uri="{FF2B5EF4-FFF2-40B4-BE49-F238E27FC236}">
+                <a16:creationId xmlns:a16="http://schemas.microsoft.com/office/drawing/2014/main" id="{F283F8B0-FC7F-C350-E8D2-BA879FE114C9}"/>
+              </a:ext>
+            </a:extLst>
+          </p:cNvPr>
+          <p:cNvSpPr/>
+          <p:nvPr/>
+        </p:nvSpPr>
+        <p:spPr>
+          <a:xfrm>
+            <a:off x="757489" y="485626"/>
+            <a:ext cx="912561" cy="301285"/>
+          </a:xfrm>
+          <a:prstGeom prst="roundRect">
+            <a:avLst/>
+          </a:prstGeom>
+          <a:solidFill>
+            <a:schemeClr val="bg1">
+              <a:lumMod val="95000"/>
+            </a:schemeClr>
+          </a:solidFill>
+          <a:ln>
+            <a:solidFill>
+              <a:srgbClr val="F8F9FA"/>
+            </a:solidFill>
+          </a:ln>
+        </p:spPr>
+        <p:style>
+          <a:lnRef idx="2">
+            <a:schemeClr val="accent1">
+              <a:shade val="15000"/>
+            </a:schemeClr>
+          </a:lnRef>
+          <a:fillRef idx="1">
+            <a:schemeClr val="accent1"/>
+          </a:fillRef>
+          <a:effectRef idx="0">
+            <a:schemeClr val="accent1"/>
+          </a:effectRef>
+          <a:fontRef idx="minor">
+            <a:schemeClr val="lt1"/>
+          </a:fontRef>
+        </p:style>
+        <p:txBody>
+          <a:bodyPr rtlCol="0" anchor="ctr"/>
+          <a:lstStyle/>
+          <a:p>
+            <a:pPr algn="ctr"/>
+            <a:r>
+              <a:rPr lang="en-US" sz="1200" b="1" dirty="0">
+                <a:solidFill>
+                  <a:schemeClr val="tx1"/>
+                </a:solidFill>
+                <a:latin typeface="Curlz MT" panose="04040404050702020202" pitchFamily="82" charset="0"/>
+              </a:rPr>
+              <a:t>Our Cool Name</a:t>
+            </a:r>
+          </a:p>
+        </p:txBody>
+      </p:sp>
+      <p:pic>
+        <p:nvPicPr>
+          <p:cNvPr id="26" name="Picture 25">
+            <a:extLst>
+              <a:ext uri="{FF2B5EF4-FFF2-40B4-BE49-F238E27FC236}">
+                <a16:creationId xmlns:a16="http://schemas.microsoft.com/office/drawing/2014/main" id="{9B822A28-BB0C-0F7D-986A-8C63887BF271}"/>
+              </a:ext>
+            </a:extLst>
+          </p:cNvPr>
+          <p:cNvPicPr>
+            <a:picLocks noChangeAspect="1"/>
+          </p:cNvPicPr>
+          <p:nvPr/>
+        </p:nvPicPr>
+        <p:blipFill rotWithShape="1">
+          <a:blip r:embed="rId3"/>
+          <a:srcRect l="1842" t="40094" r="23749" b="-1148"/>
+          <a:stretch/>
+        </p:blipFill>
+        <p:spPr>
+          <a:xfrm>
+            <a:off x="690880" y="2596286"/>
+            <a:ext cx="10952480" cy="3930879"/>
+          </a:xfrm>
+          <a:prstGeom prst="rect">
+            <a:avLst/>
+          </a:prstGeom>
+        </p:spPr>
+      </p:pic>
+      <p:sp>
+        <p:nvSpPr>
+          <p:cNvPr id="29" name="Rectangle: Rounded Corners 28">
+            <a:extLst>
+              <a:ext uri="{FF2B5EF4-FFF2-40B4-BE49-F238E27FC236}">
+                <a16:creationId xmlns:a16="http://schemas.microsoft.com/office/drawing/2014/main" id="{38DDE56A-9B6B-9FB7-4F33-638A76AC7592}"/>
+              </a:ext>
+            </a:extLst>
+          </p:cNvPr>
+          <p:cNvSpPr/>
+          <p:nvPr/>
+        </p:nvSpPr>
+        <p:spPr>
+          <a:xfrm>
+            <a:off x="9855200" y="2964818"/>
+            <a:ext cx="1645920" cy="317897"/>
+          </a:xfrm>
+          <a:prstGeom prst="roundRect">
+            <a:avLst/>
+          </a:prstGeom>
+          <a:solidFill>
+            <a:schemeClr val="bg1">
+              <a:lumMod val="95000"/>
+            </a:schemeClr>
+          </a:solidFill>
+          <a:ln>
+            <a:solidFill>
+              <a:schemeClr val="bg1">
+                <a:lumMod val="65000"/>
+              </a:schemeClr>
+            </a:solidFill>
+          </a:ln>
+        </p:spPr>
+        <p:style>
+          <a:lnRef idx="2">
+            <a:schemeClr val="accent1">
+              <a:shade val="15000"/>
+            </a:schemeClr>
+          </a:lnRef>
+          <a:fillRef idx="1">
+            <a:schemeClr val="accent1"/>
+          </a:fillRef>
+          <a:effectRef idx="0">
+            <a:schemeClr val="accent1"/>
+          </a:effectRef>
+          <a:fontRef idx="minor">
+            <a:schemeClr val="lt1"/>
+          </a:fontRef>
+        </p:style>
+        <p:txBody>
+          <a:bodyPr rtlCol="0" anchor="ctr"/>
+          <a:lstStyle/>
+          <a:p>
+            <a:pPr algn="ctr"/>
+            <a:r>
+              <a:rPr lang="en-US" dirty="0">
+                <a:solidFill>
+                  <a:schemeClr val="tx1"/>
+                </a:solidFill>
+              </a:rPr>
+              <a:t>Back to Results</a:t>
+            </a:r>
+          </a:p>
+        </p:txBody>
+      </p:sp>
+      <p:sp>
+        <p:nvSpPr>
+          <p:cNvPr id="30" name="Rectangle: Rounded Corners 29">
+            <a:extLst>
+              <a:ext uri="{FF2B5EF4-FFF2-40B4-BE49-F238E27FC236}">
+                <a16:creationId xmlns:a16="http://schemas.microsoft.com/office/drawing/2014/main" id="{96D6F71D-D5FC-1B5D-E0F8-AF822593FF2D}"/>
+              </a:ext>
+            </a:extLst>
+          </p:cNvPr>
+          <p:cNvSpPr/>
+          <p:nvPr/>
+        </p:nvSpPr>
+        <p:spPr>
+          <a:xfrm>
+            <a:off x="2171232" y="545317"/>
+            <a:ext cx="1283168" cy="217549"/>
+          </a:xfrm>
+          <a:prstGeom prst="roundRect">
+            <a:avLst/>
+          </a:prstGeom>
+          <a:solidFill>
+            <a:schemeClr val="bg1">
+              <a:lumMod val="95000"/>
+            </a:schemeClr>
+          </a:solidFill>
+          <a:ln>
+            <a:solidFill>
+              <a:srgbClr val="F8F9FA"/>
+            </a:solidFill>
+          </a:ln>
+        </p:spPr>
+        <p:style>
+          <a:lnRef idx="2">
+            <a:schemeClr val="accent1">
+              <a:shade val="15000"/>
+            </a:schemeClr>
+          </a:lnRef>
+          <a:fillRef idx="1">
+            <a:schemeClr val="accent1"/>
+          </a:fillRef>
+          <a:effectRef idx="0">
+            <a:schemeClr val="accent1"/>
+          </a:effectRef>
+          <a:fontRef idx="minor">
+            <a:schemeClr val="lt1"/>
+          </a:fontRef>
+        </p:style>
+        <p:txBody>
+          <a:bodyPr rtlCol="0" anchor="ctr"/>
+          <a:lstStyle/>
+          <a:p>
+            <a:pPr algn="ctr"/>
+            <a:r>
+              <a:rPr lang="en-US" sz="1100" dirty="0">
+                <a:solidFill>
+                  <a:schemeClr val="tx1"/>
+                </a:solidFill>
+              </a:rPr>
+              <a:t>Previous Searches</a:t>
+            </a:r>
+          </a:p>
+        </p:txBody>
+      </p:sp>
+      <p:pic>
+        <p:nvPicPr>
+          <p:cNvPr id="31" name="Picture 30">
+            <a:extLst>
+              <a:ext uri="{FF2B5EF4-FFF2-40B4-BE49-F238E27FC236}">
+                <a16:creationId xmlns:a16="http://schemas.microsoft.com/office/drawing/2014/main" id="{6B1EDEC3-9231-84E9-5FB1-46269F64FE92}"/>
+              </a:ext>
+            </a:extLst>
+          </p:cNvPr>
+          <p:cNvPicPr>
+            <a:picLocks noChangeAspect="1"/>
+          </p:cNvPicPr>
+          <p:nvPr/>
+        </p:nvPicPr>
+        <p:blipFill rotWithShape="1">
+          <a:blip r:embed="rId2"/>
+          <a:srcRect l="52915" t="8960" r="33697" b="21208"/>
+          <a:stretch/>
+        </p:blipFill>
+        <p:spPr>
+          <a:xfrm>
+            <a:off x="8044180" y="416768"/>
+            <a:ext cx="3398520" cy="442732"/>
+          </a:xfrm>
+          <a:prstGeom prst="rect">
+            <a:avLst/>
+          </a:prstGeom>
+        </p:spPr>
+      </p:pic>
+    </p:spTree>
+    <p:extLst>
+      <p:ext uri="{BB962C8B-B14F-4D97-AF65-F5344CB8AC3E}">
+        <p14:creationId xmlns:p14="http://schemas.microsoft.com/office/powerpoint/2010/main" val="644132188"/>
+      </p:ext>
+    </p:extLst>
+  </p:cSld>
+  <p:clrMapOvr>
+    <a:masterClrMapping/>
+  </p:clrMapOvr>
+</p:sld>
+</file>
+
+<file path=ppt/slides/slide5.xml><?xml version="1.0" encoding="utf-8"?>
+<p:sld xmlns:a="http://schemas.openxmlformats.org/drawingml/2006/main" xmlns:r="http://schemas.openxmlformats.org/officeDocument/2006/relationships" xmlns:p="http://schemas.openxmlformats.org/presentationml/2006/main">
+  <p:cSld>
+    <p:spTree>
+      <p:nvGrpSpPr>
+        <p:cNvPr id="1" name=""/>
+        <p:cNvGrpSpPr/>
+        <p:nvPr/>
+      </p:nvGrpSpPr>
+      <p:grpSpPr>
+        <a:xfrm>
+          <a:off x="0" y="0"/>
+          <a:ext cx="0" cy="0"/>
+          <a:chOff x="0" y="0"/>
+          <a:chExt cx="0" cy="0"/>
+        </a:xfrm>
+      </p:grpSpPr>
+      <p:pic>
+        <p:nvPicPr>
           <p:cNvPr id="4" name="Picture 3">
             <a:extLst>
               <a:ext uri="{FF2B5EF4-FFF2-40B4-BE49-F238E27FC236}">
@@ -4893,6 +7702,532 @@
           </a:prstGeom>
         </p:spPr>
       </p:pic>
+      <p:sp>
+        <p:nvSpPr>
+          <p:cNvPr id="3" name="Oval 2">
+            <a:extLst>
+              <a:ext uri="{FF2B5EF4-FFF2-40B4-BE49-F238E27FC236}">
+                <a16:creationId xmlns:a16="http://schemas.microsoft.com/office/drawing/2014/main" id="{4FFDB95C-E660-96AD-4212-7F475C223C78}"/>
+              </a:ext>
+            </a:extLst>
+          </p:cNvPr>
+          <p:cNvSpPr/>
+          <p:nvPr/>
+        </p:nvSpPr>
+        <p:spPr>
+          <a:xfrm>
+            <a:off x="8953501" y="2677895"/>
+            <a:ext cx="2984500" cy="3824505"/>
+          </a:xfrm>
+          <a:prstGeom prst="ellipse">
+            <a:avLst/>
+          </a:prstGeom>
+          <a:noFill/>
+          <a:ln>
+            <a:solidFill>
+              <a:srgbClr val="FF0000"/>
+            </a:solidFill>
+          </a:ln>
+        </p:spPr>
+        <p:style>
+          <a:lnRef idx="2">
+            <a:schemeClr val="accent1">
+              <a:shade val="15000"/>
+            </a:schemeClr>
+          </a:lnRef>
+          <a:fillRef idx="1">
+            <a:schemeClr val="accent1"/>
+          </a:fillRef>
+          <a:effectRef idx="0">
+            <a:schemeClr val="accent1"/>
+          </a:effectRef>
+          <a:fontRef idx="minor">
+            <a:schemeClr val="lt1"/>
+          </a:fontRef>
+        </p:style>
+        <p:txBody>
+          <a:bodyPr rtlCol="0" anchor="ctr"/>
+          <a:lstStyle/>
+          <a:p>
+            <a:pPr algn="ctr"/>
+            <a:endParaRPr lang="en-US"/>
+          </a:p>
+        </p:txBody>
+      </p:sp>
+      <p:sp>
+        <p:nvSpPr>
+          <p:cNvPr id="5" name="Rectangle: Rounded Corners 4">
+            <a:extLst>
+              <a:ext uri="{FF2B5EF4-FFF2-40B4-BE49-F238E27FC236}">
+                <a16:creationId xmlns:a16="http://schemas.microsoft.com/office/drawing/2014/main" id="{3508C385-BDC0-8A97-4954-53F723B35D74}"/>
+              </a:ext>
+            </a:extLst>
+          </p:cNvPr>
+          <p:cNvSpPr/>
+          <p:nvPr/>
+        </p:nvSpPr>
+        <p:spPr>
+          <a:xfrm>
+            <a:off x="2160839" y="405520"/>
+            <a:ext cx="1283168" cy="217549"/>
+          </a:xfrm>
+          <a:prstGeom prst="roundRect">
+            <a:avLst/>
+          </a:prstGeom>
+          <a:solidFill>
+            <a:schemeClr val="bg1">
+              <a:lumMod val="95000"/>
+            </a:schemeClr>
+          </a:solidFill>
+          <a:ln>
+            <a:solidFill>
+              <a:srgbClr val="F8F9FA"/>
+            </a:solidFill>
+          </a:ln>
+        </p:spPr>
+        <p:style>
+          <a:lnRef idx="2">
+            <a:schemeClr val="accent1">
+              <a:shade val="15000"/>
+            </a:schemeClr>
+          </a:lnRef>
+          <a:fillRef idx="1">
+            <a:schemeClr val="accent1"/>
+          </a:fillRef>
+          <a:effectRef idx="0">
+            <a:schemeClr val="accent1"/>
+          </a:effectRef>
+          <a:fontRef idx="minor">
+            <a:schemeClr val="lt1"/>
+          </a:fontRef>
+        </p:style>
+        <p:txBody>
+          <a:bodyPr rtlCol="0" anchor="ctr"/>
+          <a:lstStyle/>
+          <a:p>
+            <a:pPr algn="ctr"/>
+            <a:r>
+              <a:rPr lang="en-US" sz="1100" dirty="0">
+                <a:solidFill>
+                  <a:schemeClr val="tx1"/>
+                </a:solidFill>
+              </a:rPr>
+              <a:t>Previous Searches</a:t>
+            </a:r>
+          </a:p>
+        </p:txBody>
+      </p:sp>
+      <p:pic>
+        <p:nvPicPr>
+          <p:cNvPr id="6" name="Picture 5">
+            <a:extLst>
+              <a:ext uri="{FF2B5EF4-FFF2-40B4-BE49-F238E27FC236}">
+                <a16:creationId xmlns:a16="http://schemas.microsoft.com/office/drawing/2014/main" id="{EDF2F702-A061-1B86-7F56-5271853D99B9}"/>
+              </a:ext>
+            </a:extLst>
+          </p:cNvPr>
+          <p:cNvPicPr>
+            <a:picLocks noChangeAspect="1"/>
+          </p:cNvPicPr>
+          <p:nvPr/>
+        </p:nvPicPr>
+        <p:blipFill rotWithShape="1">
+          <a:blip r:embed="rId3"/>
+          <a:srcRect l="52915" t="8960" r="33697" b="21208"/>
+          <a:stretch/>
+        </p:blipFill>
+        <p:spPr>
+          <a:xfrm>
+            <a:off x="8107680" y="292928"/>
+            <a:ext cx="3398520" cy="442732"/>
+          </a:xfrm>
+          <a:prstGeom prst="rect">
+            <a:avLst/>
+          </a:prstGeom>
+        </p:spPr>
+      </p:pic>
+      <p:sp>
+        <p:nvSpPr>
+          <p:cNvPr id="7" name="Rectangle: Rounded Corners 6">
+            <a:extLst>
+              <a:ext uri="{FF2B5EF4-FFF2-40B4-BE49-F238E27FC236}">
+                <a16:creationId xmlns:a16="http://schemas.microsoft.com/office/drawing/2014/main" id="{D333D868-9A0F-13CB-0394-B76879263592}"/>
+              </a:ext>
+            </a:extLst>
+          </p:cNvPr>
+          <p:cNvSpPr/>
+          <p:nvPr/>
+        </p:nvSpPr>
+        <p:spPr>
+          <a:xfrm>
+            <a:off x="3444007" y="357197"/>
+            <a:ext cx="1082975" cy="301285"/>
+          </a:xfrm>
+          <a:prstGeom prst="roundRect">
+            <a:avLst/>
+          </a:prstGeom>
+          <a:solidFill>
+            <a:schemeClr val="bg1">
+              <a:lumMod val="95000"/>
+            </a:schemeClr>
+          </a:solidFill>
+          <a:ln>
+            <a:solidFill>
+              <a:srgbClr val="F8F9FA"/>
+            </a:solidFill>
+          </a:ln>
+        </p:spPr>
+        <p:style>
+          <a:lnRef idx="2">
+            <a:schemeClr val="accent1">
+              <a:shade val="15000"/>
+            </a:schemeClr>
+          </a:lnRef>
+          <a:fillRef idx="1">
+            <a:schemeClr val="accent1"/>
+          </a:fillRef>
+          <a:effectRef idx="0">
+            <a:schemeClr val="accent1"/>
+          </a:effectRef>
+          <a:fontRef idx="minor">
+            <a:schemeClr val="lt1"/>
+          </a:fontRef>
+        </p:style>
+        <p:txBody>
+          <a:bodyPr rtlCol="0" anchor="ctr"/>
+          <a:lstStyle/>
+          <a:p>
+            <a:pPr algn="ctr"/>
+            <a:r>
+              <a:rPr lang="en-US" sz="1100" dirty="0">
+                <a:solidFill>
+                  <a:schemeClr val="tx1"/>
+                </a:solidFill>
+              </a:rPr>
+              <a:t>Explore More</a:t>
+            </a:r>
+          </a:p>
+        </p:txBody>
+      </p:sp>
+      <p:sp>
+        <p:nvSpPr>
+          <p:cNvPr id="2" name="Oval 1">
+            <a:extLst>
+              <a:ext uri="{FF2B5EF4-FFF2-40B4-BE49-F238E27FC236}">
+                <a16:creationId xmlns:a16="http://schemas.microsoft.com/office/drawing/2014/main" id="{6E275FE9-5428-B02F-B716-A3F8E2FCD44C}"/>
+              </a:ext>
+            </a:extLst>
+          </p:cNvPr>
+          <p:cNvSpPr/>
+          <p:nvPr/>
+        </p:nvSpPr>
+        <p:spPr>
+          <a:xfrm>
+            <a:off x="2160837" y="188695"/>
+            <a:ext cx="1283169" cy="546965"/>
+          </a:xfrm>
+          <a:prstGeom prst="ellipse">
+            <a:avLst/>
+          </a:prstGeom>
+          <a:noFill/>
+          <a:ln>
+            <a:solidFill>
+              <a:srgbClr val="FF0000"/>
+            </a:solidFill>
+          </a:ln>
+        </p:spPr>
+        <p:style>
+          <a:lnRef idx="2">
+            <a:schemeClr val="accent1">
+              <a:shade val="15000"/>
+            </a:schemeClr>
+          </a:lnRef>
+          <a:fillRef idx="1">
+            <a:schemeClr val="accent1"/>
+          </a:fillRef>
+          <a:effectRef idx="0">
+            <a:schemeClr val="accent1"/>
+          </a:effectRef>
+          <a:fontRef idx="minor">
+            <a:schemeClr val="lt1"/>
+          </a:fontRef>
+        </p:style>
+        <p:txBody>
+          <a:bodyPr rtlCol="0" anchor="ctr"/>
+          <a:lstStyle/>
+          <a:p>
+            <a:pPr algn="ctr"/>
+            <a:endParaRPr lang="en-US"/>
+          </a:p>
+        </p:txBody>
+      </p:sp>
+    </p:spTree>
+    <p:extLst>
+      <p:ext uri="{BB962C8B-B14F-4D97-AF65-F5344CB8AC3E}">
+        <p14:creationId xmlns:p14="http://schemas.microsoft.com/office/powerpoint/2010/main" val="3692447859"/>
+      </p:ext>
+    </p:extLst>
+  </p:cSld>
+  <p:clrMapOvr>
+    <a:masterClrMapping/>
+  </p:clrMapOvr>
+</p:sld>
+</file>
+
+<file path=ppt/slides/slide6.xml><?xml version="1.0" encoding="utf-8"?>
+<p:sld xmlns:a="http://schemas.openxmlformats.org/drawingml/2006/main" xmlns:r="http://schemas.openxmlformats.org/officeDocument/2006/relationships" xmlns:p="http://schemas.openxmlformats.org/presentationml/2006/main">
+  <p:cSld>
+    <p:spTree>
+      <p:nvGrpSpPr>
+        <p:cNvPr id="1" name=""/>
+        <p:cNvGrpSpPr/>
+        <p:nvPr/>
+      </p:nvGrpSpPr>
+      <p:grpSpPr>
+        <a:xfrm>
+          <a:off x="0" y="0"/>
+          <a:ext cx="0" cy="0"/>
+          <a:chOff x="0" y="0"/>
+          <a:chExt cx="0" cy="0"/>
+        </a:xfrm>
+      </p:grpSpPr>
+      <p:pic>
+        <p:nvPicPr>
+          <p:cNvPr id="4" name="Picture 3">
+            <a:extLst>
+              <a:ext uri="{FF2B5EF4-FFF2-40B4-BE49-F238E27FC236}">
+                <a16:creationId xmlns:a16="http://schemas.microsoft.com/office/drawing/2014/main" id="{2D2EC312-DCDB-BB84-BECB-6C299790EF8B}"/>
+              </a:ext>
+            </a:extLst>
+          </p:cNvPr>
+          <p:cNvPicPr>
+            <a:picLocks noChangeAspect="1"/>
+          </p:cNvPicPr>
+          <p:nvPr/>
+        </p:nvPicPr>
+        <p:blipFill>
+          <a:blip r:embed="rId2"/>
+          <a:stretch>
+            <a:fillRect/>
+          </a:stretch>
+        </p:blipFill>
+        <p:spPr>
+          <a:xfrm>
+            <a:off x="484145" y="188695"/>
+            <a:ext cx="11223709" cy="6480610"/>
+          </a:xfrm>
+          <a:prstGeom prst="rect">
+            <a:avLst/>
+          </a:prstGeom>
+        </p:spPr>
+      </p:pic>
+      <p:sp>
+        <p:nvSpPr>
+          <p:cNvPr id="5" name="Rectangle: Rounded Corners 4">
+            <a:extLst>
+              <a:ext uri="{FF2B5EF4-FFF2-40B4-BE49-F238E27FC236}">
+                <a16:creationId xmlns:a16="http://schemas.microsoft.com/office/drawing/2014/main" id="{67DB3C3D-997B-A9C2-1021-5FBECC697F76}"/>
+              </a:ext>
+            </a:extLst>
+          </p:cNvPr>
+          <p:cNvSpPr/>
+          <p:nvPr/>
+        </p:nvSpPr>
+        <p:spPr>
+          <a:xfrm>
+            <a:off x="2160839" y="405520"/>
+            <a:ext cx="1283168" cy="217549"/>
+          </a:xfrm>
+          <a:prstGeom prst="roundRect">
+            <a:avLst/>
+          </a:prstGeom>
+          <a:solidFill>
+            <a:schemeClr val="bg1">
+              <a:lumMod val="95000"/>
+            </a:schemeClr>
+          </a:solidFill>
+          <a:ln>
+            <a:solidFill>
+              <a:srgbClr val="F8F9FA"/>
+            </a:solidFill>
+          </a:ln>
+        </p:spPr>
+        <p:style>
+          <a:lnRef idx="2">
+            <a:schemeClr val="accent1">
+              <a:shade val="15000"/>
+            </a:schemeClr>
+          </a:lnRef>
+          <a:fillRef idx="1">
+            <a:schemeClr val="accent1"/>
+          </a:fillRef>
+          <a:effectRef idx="0">
+            <a:schemeClr val="accent1"/>
+          </a:effectRef>
+          <a:fontRef idx="minor">
+            <a:schemeClr val="lt1"/>
+          </a:fontRef>
+        </p:style>
+        <p:txBody>
+          <a:bodyPr rtlCol="0" anchor="ctr"/>
+          <a:lstStyle/>
+          <a:p>
+            <a:pPr algn="ctr"/>
+            <a:r>
+              <a:rPr lang="en-US" sz="1100" dirty="0">
+                <a:solidFill>
+                  <a:schemeClr val="tx1"/>
+                </a:solidFill>
+              </a:rPr>
+              <a:t>Previous Searches</a:t>
+            </a:r>
+          </a:p>
+        </p:txBody>
+      </p:sp>
+      <p:pic>
+        <p:nvPicPr>
+          <p:cNvPr id="6" name="Picture 5">
+            <a:extLst>
+              <a:ext uri="{FF2B5EF4-FFF2-40B4-BE49-F238E27FC236}">
+                <a16:creationId xmlns:a16="http://schemas.microsoft.com/office/drawing/2014/main" id="{6415BD6A-ABB1-4C7C-86E2-B3669EBFAFE5}"/>
+              </a:ext>
+            </a:extLst>
+          </p:cNvPr>
+          <p:cNvPicPr>
+            <a:picLocks noChangeAspect="1"/>
+          </p:cNvPicPr>
+          <p:nvPr/>
+        </p:nvPicPr>
+        <p:blipFill rotWithShape="1">
+          <a:blip r:embed="rId3"/>
+          <a:srcRect l="52915" t="8960" r="33697" b="21208"/>
+          <a:stretch/>
+        </p:blipFill>
+        <p:spPr>
+          <a:xfrm>
+            <a:off x="8107680" y="292928"/>
+            <a:ext cx="3398520" cy="442732"/>
+          </a:xfrm>
+          <a:prstGeom prst="rect">
+            <a:avLst/>
+          </a:prstGeom>
+        </p:spPr>
+      </p:pic>
+      <p:sp>
+        <p:nvSpPr>
+          <p:cNvPr id="7" name="Rectangle: Rounded Corners 6">
+            <a:extLst>
+              <a:ext uri="{FF2B5EF4-FFF2-40B4-BE49-F238E27FC236}">
+                <a16:creationId xmlns:a16="http://schemas.microsoft.com/office/drawing/2014/main" id="{29736FAF-7E9C-95CE-A2D0-454C9AD944E0}"/>
+              </a:ext>
+            </a:extLst>
+          </p:cNvPr>
+          <p:cNvSpPr/>
+          <p:nvPr/>
+        </p:nvSpPr>
+        <p:spPr>
+          <a:xfrm>
+            <a:off x="3444007" y="357197"/>
+            <a:ext cx="1082975" cy="301285"/>
+          </a:xfrm>
+          <a:prstGeom prst="roundRect">
+            <a:avLst/>
+          </a:prstGeom>
+          <a:solidFill>
+            <a:schemeClr val="bg1">
+              <a:lumMod val="95000"/>
+            </a:schemeClr>
+          </a:solidFill>
+          <a:ln>
+            <a:solidFill>
+              <a:srgbClr val="F8F9FA"/>
+            </a:solidFill>
+          </a:ln>
+        </p:spPr>
+        <p:style>
+          <a:lnRef idx="2">
+            <a:schemeClr val="accent1">
+              <a:shade val="15000"/>
+            </a:schemeClr>
+          </a:lnRef>
+          <a:fillRef idx="1">
+            <a:schemeClr val="accent1"/>
+          </a:fillRef>
+          <a:effectRef idx="0">
+            <a:schemeClr val="accent1"/>
+          </a:effectRef>
+          <a:fontRef idx="minor">
+            <a:schemeClr val="lt1"/>
+          </a:fontRef>
+        </p:style>
+        <p:txBody>
+          <a:bodyPr rtlCol="0" anchor="ctr"/>
+          <a:lstStyle/>
+          <a:p>
+            <a:pPr algn="ctr"/>
+            <a:r>
+              <a:rPr lang="en-US" sz="1100" dirty="0">
+                <a:solidFill>
+                  <a:schemeClr val="tx1"/>
+                </a:solidFill>
+              </a:rPr>
+              <a:t>Explore More</a:t>
+            </a:r>
+          </a:p>
+        </p:txBody>
+      </p:sp>
+      <p:sp>
+        <p:nvSpPr>
+          <p:cNvPr id="8" name="Oval 7">
+            <a:extLst>
+              <a:ext uri="{FF2B5EF4-FFF2-40B4-BE49-F238E27FC236}">
+                <a16:creationId xmlns:a16="http://schemas.microsoft.com/office/drawing/2014/main" id="{818BC6FB-3782-5225-B4A8-A7E114094041}"/>
+              </a:ext>
+            </a:extLst>
+          </p:cNvPr>
+          <p:cNvSpPr/>
+          <p:nvPr/>
+        </p:nvSpPr>
+        <p:spPr>
+          <a:xfrm>
+            <a:off x="2160837" y="188695"/>
+            <a:ext cx="1283169" cy="546965"/>
+          </a:xfrm>
+          <a:prstGeom prst="ellipse">
+            <a:avLst/>
+          </a:prstGeom>
+          <a:noFill/>
+          <a:ln>
+            <a:solidFill>
+              <a:srgbClr val="FF0000"/>
+            </a:solidFill>
+          </a:ln>
+        </p:spPr>
+        <p:style>
+          <a:lnRef idx="2">
+            <a:schemeClr val="accent1">
+              <a:shade val="15000"/>
+            </a:schemeClr>
+          </a:lnRef>
+          <a:fillRef idx="1">
+            <a:schemeClr val="accent1"/>
+          </a:fillRef>
+          <a:effectRef idx="0">
+            <a:schemeClr val="accent1"/>
+          </a:effectRef>
+          <a:fontRef idx="minor">
+            <a:schemeClr val="lt1"/>
+          </a:fontRef>
+        </p:style>
+        <p:txBody>
+          <a:bodyPr rtlCol="0" anchor="ctr"/>
+          <a:lstStyle/>
+          <a:p>
+            <a:pPr algn="ctr"/>
+            <a:endParaRPr lang="en-US"/>
+          </a:p>
+        </p:txBody>
+      </p:sp>
     </p:spTree>
     <p:extLst>
       <p:ext uri="{BB962C8B-B14F-4D97-AF65-F5344CB8AC3E}">
